--- a/opwatch_visual_final.pptx
+++ b/opwatch_visual_final.pptx
@@ -5,20 +5,22 @@
     <p:sldMasterId id="2147483648" r:id="rId1"/>
   </p:sldMasterIdLst>
   <p:notesMasterIdLst>
-    <p:notesMasterId r:id="rId13"/>
+    <p:notesMasterId r:id="rId15"/>
   </p:notesMasterIdLst>
   <p:sldIdLst>
     <p:sldId id="256" r:id="rId2"/>
-    <p:sldId id="262" r:id="rId3"/>
-    <p:sldId id="285" r:id="rId4"/>
-    <p:sldId id="286" r:id="rId5"/>
-    <p:sldId id="287" r:id="rId6"/>
-    <p:sldId id="265" r:id="rId7"/>
-    <p:sldId id="289" r:id="rId8"/>
-    <p:sldId id="291" r:id="rId9"/>
-    <p:sldId id="292" r:id="rId10"/>
-    <p:sldId id="288" r:id="rId11"/>
-    <p:sldId id="295" r:id="rId12"/>
+    <p:sldId id="296" r:id="rId3"/>
+    <p:sldId id="262" r:id="rId4"/>
+    <p:sldId id="285" r:id="rId5"/>
+    <p:sldId id="286" r:id="rId6"/>
+    <p:sldId id="287" r:id="rId7"/>
+    <p:sldId id="265" r:id="rId8"/>
+    <p:sldId id="289" r:id="rId9"/>
+    <p:sldId id="291" r:id="rId10"/>
+    <p:sldId id="292" r:id="rId11"/>
+    <p:sldId id="288" r:id="rId12"/>
+    <p:sldId id="295" r:id="rId13"/>
+    <p:sldId id="297" r:id="rId14"/>
   </p:sldIdLst>
   <p:sldSz cx="12192000" cy="6858000"/>
   <p:notesSz cx="6858000" cy="9144000"/>
@@ -3911,462 +3913,6 @@
           </a:p>
         </p:txBody>
       </p:sp>
-      <p:sp>
-        <p:nvSpPr>
-          <p:cNvPr id="5" name="직사각형 4">
-            <a:extLst>
-              <a:ext uri="{FF2B5EF4-FFF2-40B4-BE49-F238E27FC236}">
-                <a16:creationId xmlns:a16="http://schemas.microsoft.com/office/drawing/2014/main" id="{4000F55D-3AEB-D273-1B65-01A31822C1D7}"/>
-              </a:ext>
-            </a:extLst>
-          </p:cNvPr>
-          <p:cNvSpPr/>
-          <p:nvPr/>
-        </p:nvSpPr>
-        <p:spPr>
-          <a:xfrm>
-            <a:off x="2401826" y="2603129"/>
-            <a:ext cx="7388345" cy="2540119"/>
-          </a:xfrm>
-          <a:prstGeom prst="rect">
-            <a:avLst/>
-          </a:prstGeom>
-          <a:solidFill>
-            <a:schemeClr val="bg1">
-              <a:lumMod val="95000"/>
-            </a:schemeClr>
-          </a:solidFill>
-        </p:spPr>
-        <p:txBody>
-          <a:bodyPr wrap="square">
-            <a:spAutoFit/>
-          </a:bodyPr>
-          <a:lstStyle/>
-          <a:p>
-            <a:pPr>
-              <a:lnSpc>
-                <a:spcPct val="150000"/>
-              </a:lnSpc>
-            </a:pPr>
-            <a:r>
-              <a:rPr lang="ko-KR" altLang="en-US" b="1" dirty="0">
-                <a:solidFill>
-                  <a:srgbClr val="3B454E"/>
-                </a:solidFill>
-                <a:latin typeface="gitbook-content-font"/>
-                <a:ea typeface="Malgun Gothic" panose="020B0503020000020004" pitchFamily="50" charset="-127"/>
-              </a:rPr>
-              <a:t>국회의원 </a:t>
-            </a:r>
-            <a:r>
-              <a:rPr lang="en-US" altLang="ko-KR" b="1" dirty="0">
-                <a:solidFill>
-                  <a:srgbClr val="3B454E"/>
-                </a:solidFill>
-                <a:latin typeface="gitbook-content-font"/>
-                <a:ea typeface="Malgun Gothic" panose="020B0503020000020004" pitchFamily="50" charset="-127"/>
-              </a:rPr>
-              <a:t>(national assembly)</a:t>
-            </a:r>
-          </a:p>
-          <a:p>
-            <a:pPr>
-              <a:lnSpc>
-                <a:spcPct val="150000"/>
-              </a:lnSpc>
-            </a:pPr>
-            <a:r>
-              <a:rPr lang="ko-KR" altLang="en-US">
-                <a:solidFill>
-                  <a:srgbClr val="3B454E"/>
-                </a:solidFill>
-                <a:latin typeface="gitbook-content-font"/>
-                <a:ea typeface="Malgun Gothic" panose="020B0503020000020004" pitchFamily="50" charset="-127"/>
-              </a:rPr>
-              <a:t>대한민국 </a:t>
-            </a:r>
-            <a:r>
-              <a:rPr lang="ko-KR" altLang="en-US" dirty="0">
-                <a:solidFill>
-                  <a:srgbClr val="3B454E"/>
-                </a:solidFill>
-                <a:latin typeface="gitbook-content-font"/>
-                <a:ea typeface="Malgun Gothic" panose="020B0503020000020004" pitchFamily="50" charset="-127"/>
-              </a:rPr>
-              <a:t>국회의원은 국민의 대표로서 법률을 만들고</a:t>
-            </a:r>
-            <a:r>
-              <a:rPr lang="en-US" altLang="ko-KR" dirty="0">
-                <a:solidFill>
-                  <a:srgbClr val="3B454E"/>
-                </a:solidFill>
-                <a:latin typeface="gitbook-content-font"/>
-                <a:ea typeface="Malgun Gothic" panose="020B0503020000020004" pitchFamily="50" charset="-127"/>
-              </a:rPr>
-              <a:t>, </a:t>
-            </a:r>
-            <a:r>
-              <a:rPr lang="ko-KR" altLang="en-US" dirty="0">
-                <a:solidFill>
-                  <a:srgbClr val="3B454E"/>
-                </a:solidFill>
-                <a:latin typeface="gitbook-content-font"/>
-                <a:ea typeface="Malgun Gothic" panose="020B0503020000020004" pitchFamily="50" charset="-127"/>
-              </a:rPr>
-              <a:t>예산을 심의하고</a:t>
-            </a:r>
-            <a:r>
-              <a:rPr lang="en-US" altLang="ko-KR" dirty="0">
-                <a:solidFill>
-                  <a:srgbClr val="3B454E"/>
-                </a:solidFill>
-                <a:latin typeface="gitbook-content-font"/>
-                <a:ea typeface="Malgun Gothic" panose="020B0503020000020004" pitchFamily="50" charset="-127"/>
-              </a:rPr>
-              <a:t>, </a:t>
-            </a:r>
-            <a:r>
-              <a:rPr lang="ko-KR" altLang="en-US" dirty="0">
-                <a:solidFill>
-                  <a:srgbClr val="3B454E"/>
-                </a:solidFill>
-                <a:latin typeface="gitbook-content-font"/>
-                <a:ea typeface="Malgun Gothic" panose="020B0503020000020004" pitchFamily="50" charset="-127"/>
-              </a:rPr>
-              <a:t>행정부 등의 국정 운영을 </a:t>
-            </a:r>
-            <a:r>
-              <a:rPr lang="ko-KR" altLang="en-US">
-                <a:solidFill>
-                  <a:srgbClr val="3B454E"/>
-                </a:solidFill>
-                <a:latin typeface="gitbook-content-font"/>
-                <a:ea typeface="Malgun Gothic" panose="020B0503020000020004" pitchFamily="50" charset="-127"/>
-              </a:rPr>
-              <a:t>감시하는 역할</a:t>
-            </a:r>
-            <a:r>
-              <a:rPr lang="en-US" altLang="ko-KR">
-                <a:solidFill>
-                  <a:srgbClr val="3B454E"/>
-                </a:solidFill>
-                <a:latin typeface="gitbook-content-font"/>
-                <a:ea typeface="Malgun Gothic" panose="020B0503020000020004" pitchFamily="50" charset="-127"/>
-              </a:rPr>
-              <a:t>.</a:t>
-            </a:r>
-          </a:p>
-          <a:p>
-            <a:pPr>
-              <a:lnSpc>
-                <a:spcPct val="150000"/>
-              </a:lnSpc>
-            </a:pPr>
-            <a:r>
-              <a:rPr lang="ko-KR" altLang="en-US">
-                <a:solidFill>
-                  <a:srgbClr val="3B454E"/>
-                </a:solidFill>
-                <a:latin typeface="gitbook-content-font"/>
-                <a:ea typeface="Malgun Gothic" panose="020B0503020000020004" pitchFamily="50" charset="-127"/>
-              </a:rPr>
-              <a:t>국회의원 </a:t>
-            </a:r>
-            <a:r>
-              <a:rPr lang="ko-KR" altLang="en-US" dirty="0">
-                <a:solidFill>
-                  <a:srgbClr val="3B454E"/>
-                </a:solidFill>
-                <a:latin typeface="gitbook-content-font"/>
-                <a:ea typeface="Malgun Gothic" panose="020B0503020000020004" pitchFamily="50" charset="-127"/>
-              </a:rPr>
-              <a:t>총선거를 통해 </a:t>
-            </a:r>
-            <a:r>
-              <a:rPr lang="en-US" altLang="ko-KR" dirty="0">
-                <a:solidFill>
-                  <a:srgbClr val="3B454E"/>
-                </a:solidFill>
-                <a:latin typeface="gitbook-content-font"/>
-                <a:ea typeface="Malgun Gothic" panose="020B0503020000020004" pitchFamily="50" charset="-127"/>
-              </a:rPr>
-              <a:t>4</a:t>
-            </a:r>
-            <a:r>
-              <a:rPr lang="ko-KR" altLang="en-US" dirty="0">
-                <a:solidFill>
-                  <a:srgbClr val="3B454E"/>
-                </a:solidFill>
-                <a:latin typeface="gitbook-content-font"/>
-                <a:ea typeface="Malgun Gothic" panose="020B0503020000020004" pitchFamily="50" charset="-127"/>
-              </a:rPr>
-              <a:t>년에 한번씩 </a:t>
-            </a:r>
-            <a:r>
-              <a:rPr lang="ko-KR" altLang="en-US">
-                <a:solidFill>
-                  <a:srgbClr val="3B454E"/>
-                </a:solidFill>
-                <a:latin typeface="gitbook-content-font"/>
-                <a:ea typeface="Malgun Gothic" panose="020B0503020000020004" pitchFamily="50" charset="-127"/>
-              </a:rPr>
-              <a:t>국회의원을 선출</a:t>
-            </a:r>
-            <a:r>
-              <a:rPr lang="en-US" altLang="ko-KR">
-                <a:solidFill>
-                  <a:srgbClr val="3B454E"/>
-                </a:solidFill>
-                <a:latin typeface="gitbook-content-font"/>
-                <a:ea typeface="Malgun Gothic" panose="020B0503020000020004" pitchFamily="50" charset="-127"/>
-              </a:rPr>
-              <a:t>.</a:t>
-            </a:r>
-          </a:p>
-          <a:p>
-            <a:pPr>
-              <a:lnSpc>
-                <a:spcPct val="150000"/>
-              </a:lnSpc>
-            </a:pPr>
-            <a:r>
-              <a:rPr lang="en-US" altLang="ko-KR">
-                <a:solidFill>
-                  <a:srgbClr val="3B454E"/>
-                </a:solidFill>
-                <a:latin typeface="gitbook-content-font"/>
-                <a:ea typeface="Malgun Gothic" panose="020B0503020000020004" pitchFamily="50" charset="-127"/>
-              </a:rPr>
-              <a:t>2023</a:t>
-            </a:r>
-            <a:r>
-              <a:rPr lang="ko-KR" altLang="en-US" dirty="0" err="1">
-                <a:solidFill>
-                  <a:srgbClr val="3B454E"/>
-                </a:solidFill>
-                <a:latin typeface="gitbook-content-font"/>
-                <a:ea typeface="Malgun Gothic" panose="020B0503020000020004" pitchFamily="50" charset="-127"/>
-              </a:rPr>
-              <a:t>년현재</a:t>
-            </a:r>
-            <a:r>
-              <a:rPr lang="ko-KR" altLang="en-US" dirty="0">
-                <a:solidFill>
-                  <a:srgbClr val="3B454E"/>
-                </a:solidFill>
-                <a:latin typeface="gitbook-content-font"/>
-                <a:ea typeface="Malgun Gothic" panose="020B0503020000020004" pitchFamily="50" charset="-127"/>
-              </a:rPr>
-              <a:t> 국회의원의 정원은 총</a:t>
-            </a:r>
-            <a:r>
-              <a:rPr lang="en-US" altLang="ko-KR">
-                <a:solidFill>
-                  <a:srgbClr val="3B454E"/>
-                </a:solidFill>
-                <a:latin typeface="gitbook-content-font"/>
-                <a:ea typeface="Malgun Gothic" panose="020B0503020000020004" pitchFamily="50" charset="-127"/>
-              </a:rPr>
-              <a:t>300</a:t>
-            </a:r>
-            <a:r>
-              <a:rPr lang="ko-KR" altLang="en-US">
-                <a:solidFill>
-                  <a:srgbClr val="3B454E"/>
-                </a:solidFill>
-                <a:latin typeface="gitbook-content-font"/>
-                <a:ea typeface="Malgun Gothic" panose="020B0503020000020004" pitchFamily="50" charset="-127"/>
-              </a:rPr>
-              <a:t>인 </a:t>
-            </a:r>
-            <a:r>
-              <a:rPr lang="en-US" altLang="ko-KR">
-                <a:solidFill>
-                  <a:srgbClr val="3B454E"/>
-                </a:solidFill>
-                <a:latin typeface="gitbook-content-font"/>
-                <a:ea typeface="Malgun Gothic" panose="020B0503020000020004" pitchFamily="50" charset="-127"/>
-              </a:rPr>
-              <a:t>(</a:t>
-            </a:r>
-            <a:r>
-              <a:rPr lang="ko-KR" altLang="en-US">
-                <a:solidFill>
-                  <a:srgbClr val="3B454E"/>
-                </a:solidFill>
-                <a:latin typeface="gitbook-content-font"/>
-                <a:ea typeface="Malgun Gothic" panose="020B0503020000020004" pitchFamily="50" charset="-127"/>
-              </a:rPr>
-              <a:t>지역구 </a:t>
-            </a:r>
-            <a:r>
-              <a:rPr lang="en-US" altLang="ko-KR">
-                <a:solidFill>
-                  <a:srgbClr val="3B454E"/>
-                </a:solidFill>
-                <a:latin typeface="gitbook-content-font"/>
-                <a:ea typeface="Malgun Gothic" panose="020B0503020000020004" pitchFamily="50" charset="-127"/>
-              </a:rPr>
-              <a:t>253</a:t>
-            </a:r>
-            <a:r>
-              <a:rPr lang="ko-KR" altLang="en-US">
-                <a:solidFill>
-                  <a:srgbClr val="3B454E"/>
-                </a:solidFill>
-                <a:latin typeface="gitbook-content-font"/>
-                <a:ea typeface="Malgun Gothic" panose="020B0503020000020004" pitchFamily="50" charset="-127"/>
-              </a:rPr>
-              <a:t>인</a:t>
-            </a:r>
-            <a:r>
-              <a:rPr lang="en-US" altLang="ko-KR">
-                <a:solidFill>
-                  <a:srgbClr val="3B454E"/>
-                </a:solidFill>
-                <a:latin typeface="gitbook-content-font"/>
-                <a:ea typeface="Malgun Gothic" panose="020B0503020000020004" pitchFamily="50" charset="-127"/>
-              </a:rPr>
-              <a:t>, </a:t>
-            </a:r>
-            <a:r>
-              <a:rPr lang="ko-KR" altLang="en-US">
-                <a:solidFill>
-                  <a:srgbClr val="3B454E"/>
-                </a:solidFill>
-                <a:latin typeface="gitbook-content-font"/>
-                <a:ea typeface="Malgun Gothic" panose="020B0503020000020004" pitchFamily="50" charset="-127"/>
-              </a:rPr>
-              <a:t>비례대표 </a:t>
-            </a:r>
-            <a:r>
-              <a:rPr lang="en-US" altLang="ko-KR">
-                <a:solidFill>
-                  <a:srgbClr val="3B454E"/>
-                </a:solidFill>
-                <a:latin typeface="gitbook-content-font"/>
-                <a:ea typeface="Malgun Gothic" panose="020B0503020000020004" pitchFamily="50" charset="-127"/>
-              </a:rPr>
-              <a:t>47</a:t>
-            </a:r>
-            <a:r>
-              <a:rPr lang="ko-KR" altLang="en-US">
-                <a:solidFill>
-                  <a:srgbClr val="3B454E"/>
-                </a:solidFill>
-                <a:latin typeface="gitbook-content-font"/>
-                <a:ea typeface="Malgun Gothic" panose="020B0503020000020004" pitchFamily="50" charset="-127"/>
-              </a:rPr>
-              <a:t>인</a:t>
-            </a:r>
-            <a:r>
-              <a:rPr lang="en-US" altLang="ko-KR">
-                <a:solidFill>
-                  <a:srgbClr val="3B454E"/>
-                </a:solidFill>
-                <a:latin typeface="gitbook-content-font"/>
-                <a:ea typeface="Malgun Gothic" panose="020B0503020000020004" pitchFamily="50" charset="-127"/>
-              </a:rPr>
-              <a:t>)</a:t>
-            </a:r>
-          </a:p>
-          <a:p>
-            <a:pPr>
-              <a:lnSpc>
-                <a:spcPct val="150000"/>
-              </a:lnSpc>
-            </a:pPr>
-            <a:r>
-              <a:rPr lang="en-US" altLang="ko-KR">
-                <a:solidFill>
-                  <a:srgbClr val="3B454E"/>
-                </a:solidFill>
-                <a:latin typeface="gitbook-content-font"/>
-                <a:ea typeface="Malgun Gothic" panose="020B0503020000020004" pitchFamily="50" charset="-127"/>
-              </a:rPr>
-              <a:t>(</a:t>
-            </a:r>
-            <a:r>
-              <a:rPr lang="ko-KR" altLang="en-US">
-                <a:solidFill>
-                  <a:srgbClr val="3B454E"/>
-                </a:solidFill>
-                <a:latin typeface="gitbook-content-font"/>
-                <a:ea typeface="Malgun Gothic" panose="020B0503020000020004" pitchFamily="50" charset="-127"/>
-              </a:rPr>
-              <a:t>공직선거법 </a:t>
-            </a:r>
-            <a:r>
-              <a:rPr lang="ko-KR" altLang="en-US" dirty="0">
-                <a:solidFill>
-                  <a:srgbClr val="3B454E"/>
-                </a:solidFill>
-                <a:latin typeface="gitbook-content-font"/>
-                <a:ea typeface="Malgun Gothic" panose="020B0503020000020004" pitchFamily="50" charset="-127"/>
-              </a:rPr>
-              <a:t>제</a:t>
-            </a:r>
-            <a:r>
-              <a:rPr lang="en-US" altLang="ko-KR" dirty="0">
-                <a:solidFill>
-                  <a:srgbClr val="3B454E"/>
-                </a:solidFill>
-                <a:latin typeface="gitbook-content-font"/>
-                <a:ea typeface="Malgun Gothic" panose="020B0503020000020004" pitchFamily="50" charset="-127"/>
-              </a:rPr>
-              <a:t>21</a:t>
-            </a:r>
-            <a:r>
-              <a:rPr lang="ko-KR" altLang="en-US" dirty="0">
-                <a:solidFill>
-                  <a:srgbClr val="3B454E"/>
-                </a:solidFill>
-                <a:latin typeface="gitbook-content-font"/>
-                <a:ea typeface="Malgun Gothic" panose="020B0503020000020004" pitchFamily="50" charset="-127"/>
-              </a:rPr>
-              <a:t>조 제</a:t>
-            </a:r>
-            <a:r>
-              <a:rPr lang="en-US" altLang="ko-KR" dirty="0">
-                <a:solidFill>
-                  <a:srgbClr val="3B454E"/>
-                </a:solidFill>
-                <a:latin typeface="gitbook-content-font"/>
-                <a:ea typeface="Malgun Gothic" panose="020B0503020000020004" pitchFamily="50" charset="-127"/>
-              </a:rPr>
-              <a:t>1</a:t>
-            </a:r>
-            <a:r>
-              <a:rPr lang="ko-KR" altLang="en-US" dirty="0">
-                <a:solidFill>
-                  <a:srgbClr val="3B454E"/>
-                </a:solidFill>
-                <a:latin typeface="gitbook-content-font"/>
-                <a:ea typeface="Malgun Gothic" panose="020B0503020000020004" pitchFamily="50" charset="-127"/>
-              </a:rPr>
-              <a:t>항</a:t>
-            </a:r>
-            <a:r>
-              <a:rPr lang="en-US" altLang="ko-KR" dirty="0">
-                <a:solidFill>
-                  <a:srgbClr val="3B454E"/>
-                </a:solidFill>
-                <a:latin typeface="gitbook-content-font"/>
-                <a:ea typeface="Malgun Gothic" panose="020B0503020000020004" pitchFamily="50" charset="-127"/>
-              </a:rPr>
-              <a:t>) </a:t>
-            </a:r>
-            <a:endParaRPr lang="en-US" altLang="ko-KR" b="0" i="0" strike="noStrike" dirty="0">
-              <a:solidFill>
-                <a:srgbClr val="3B454E"/>
-              </a:solidFill>
-              <a:effectLst/>
-              <a:latin typeface="gitbook-content-font"/>
-              <a:ea typeface="Malgun Gothic" panose="020B0503020000020004" pitchFamily="50" charset="-127"/>
-            </a:endParaRPr>
-          </a:p>
-        </p:txBody>
-      </p:sp>
     </p:spTree>
     <p:extLst>
       <p:ext uri="{BB962C8B-B14F-4D97-AF65-F5344CB8AC3E}">
@@ -4399,10 +3945,10 @@
       </p:grpSpPr>
       <p:sp>
         <p:nvSpPr>
-          <p:cNvPr id="2" name="TextBox 1">
-            <a:extLst>
-              <a:ext uri="{FF2B5EF4-FFF2-40B4-BE49-F238E27FC236}">
-                <a16:creationId xmlns:a16="http://schemas.microsoft.com/office/drawing/2014/main" id="{56CBFD96-60DF-0878-939C-92E68D01C24D}"/>
+          <p:cNvPr id="3" name="TextBox 2">
+            <a:extLst>
+              <a:ext uri="{FF2B5EF4-FFF2-40B4-BE49-F238E27FC236}">
+                <a16:creationId xmlns:a16="http://schemas.microsoft.com/office/drawing/2014/main" id="{E817AE16-DA82-24D4-4BD2-61DAF562FDD5}"/>
               </a:ext>
             </a:extLst>
           </p:cNvPr>
@@ -4461,10 +4007,10 @@
       </p:sp>
       <p:sp>
         <p:nvSpPr>
-          <p:cNvPr id="3" name="TextBox 2">
-            <a:extLst>
-              <a:ext uri="{FF2B5EF4-FFF2-40B4-BE49-F238E27FC236}">
-                <a16:creationId xmlns:a16="http://schemas.microsoft.com/office/drawing/2014/main" id="{C287824C-2F29-EC06-C055-9851EE7992F6}"/>
+          <p:cNvPr id="4" name="TextBox 3">
+            <a:extLst>
+              <a:ext uri="{FF2B5EF4-FFF2-40B4-BE49-F238E27FC236}">
+                <a16:creationId xmlns:a16="http://schemas.microsoft.com/office/drawing/2014/main" id="{E0C74403-DCBC-0C1B-8A47-6856FD1ABF25}"/>
               </a:ext>
             </a:extLst>
           </p:cNvPr>
@@ -4489,7 +4035,442 @@
           <a:p>
             <a:pPr algn="ctr"/>
             <a:r>
-              <a:rPr lang="ko-KR" altLang="en-US" sz="4000" b="1">
+              <a:rPr lang="ko-KR" altLang="en-US" sz="4000" b="1" dirty="0">
+                <a:solidFill>
+                  <a:schemeClr val="accent1">
+                    <a:lumMod val="75000"/>
+                  </a:schemeClr>
+                </a:solidFill>
+                <a:latin typeface="+mn-ea"/>
+              </a:rPr>
+              <a:t>개인별 </a:t>
+            </a:r>
+            <a:endParaRPr lang="ko-KR" altLang="en-US" sz="4000" dirty="0">
+              <a:solidFill>
+                <a:schemeClr val="accent1">
+                  <a:lumMod val="75000"/>
+                </a:schemeClr>
+              </a:solidFill>
+            </a:endParaRPr>
+          </a:p>
+        </p:txBody>
+      </p:sp>
+      <p:grpSp>
+        <p:nvGrpSpPr>
+          <p:cNvPr id="9" name="그룹 8">
+            <a:extLst>
+              <a:ext uri="{FF2B5EF4-FFF2-40B4-BE49-F238E27FC236}">
+                <a16:creationId xmlns:a16="http://schemas.microsoft.com/office/drawing/2014/main" id="{9BE4EB4E-D6D6-25BD-E0D3-BDD86B674DA0}"/>
+              </a:ext>
+            </a:extLst>
+          </p:cNvPr>
+          <p:cNvGrpSpPr/>
+          <p:nvPr/>
+        </p:nvGrpSpPr>
+        <p:grpSpPr>
+          <a:xfrm>
+            <a:off x="475125" y="1798041"/>
+            <a:ext cx="2879217" cy="1815882"/>
+            <a:chOff x="424638" y="2431258"/>
+            <a:chExt cx="2879217" cy="1815882"/>
+          </a:xfrm>
+        </p:grpSpPr>
+        <p:sp>
+          <p:nvSpPr>
+            <p:cNvPr id="11" name="TextBox 10">
+              <a:extLst>
+                <a:ext uri="{FF2B5EF4-FFF2-40B4-BE49-F238E27FC236}">
+                  <a16:creationId xmlns:a16="http://schemas.microsoft.com/office/drawing/2014/main" id="{C0BE8B1D-5A1F-395E-198B-0862C7DF9330}"/>
+                </a:ext>
+              </a:extLst>
+            </p:cNvPr>
+            <p:cNvSpPr txBox="1"/>
+            <p:nvPr/>
+          </p:nvSpPr>
+          <p:spPr>
+            <a:xfrm>
+              <a:off x="424638" y="2431258"/>
+              <a:ext cx="2879217" cy="1815882"/>
+            </a:xfrm>
+            <a:prstGeom prst="rect">
+              <a:avLst/>
+            </a:prstGeom>
+            <a:noFill/>
+          </p:spPr>
+          <p:txBody>
+            <a:bodyPr wrap="square">
+              <a:spAutoFit/>
+            </a:bodyPr>
+            <a:lstStyle/>
+            <a:p>
+              <a:pPr algn="ctr"/>
+              <a:r>
+                <a:rPr lang="en-US" altLang="ko-KR" sz="2800" b="1">
+                  <a:solidFill>
+                    <a:schemeClr val="accent1">
+                      <a:lumMod val="75000"/>
+                    </a:schemeClr>
+                  </a:solidFill>
+                </a:rPr>
+                <a:t>98</a:t>
+              </a:r>
+              <a:r>
+                <a:rPr lang="ko-KR" altLang="en-US" sz="2800" b="1">
+                  <a:solidFill>
+                    <a:schemeClr val="accent1">
+                      <a:lumMod val="75000"/>
+                    </a:schemeClr>
+                  </a:solidFill>
+                </a:rPr>
+                <a:t>위</a:t>
+              </a:r>
+              <a:endParaRPr lang="en-US" altLang="ko-KR" sz="2800" b="1">
+                <a:solidFill>
+                  <a:schemeClr val="accent1">
+                    <a:lumMod val="75000"/>
+                  </a:schemeClr>
+                </a:solidFill>
+              </a:endParaRPr>
+            </a:p>
+            <a:p>
+              <a:pPr algn="ctr"/>
+              <a:r>
+                <a:rPr lang="ko-KR" altLang="en-US" sz="2800" b="1">
+                  <a:solidFill>
+                    <a:schemeClr val="accent1">
+                      <a:lumMod val="75000"/>
+                    </a:schemeClr>
+                  </a:solidFill>
+                </a:rPr>
+                <a:t>이재명</a:t>
+              </a:r>
+              <a:endParaRPr lang="en-US" altLang="ko-KR" sz="2800" b="1">
+                <a:solidFill>
+                  <a:schemeClr val="accent1">
+                    <a:lumMod val="75000"/>
+                  </a:schemeClr>
+                </a:solidFill>
+              </a:endParaRPr>
+            </a:p>
+            <a:p>
+              <a:pPr algn="ctr"/>
+              <a:endParaRPr lang="en-US" altLang="ko-KR" sz="2800" b="1">
+                <a:solidFill>
+                  <a:schemeClr val="accent1">
+                    <a:lumMod val="75000"/>
+                  </a:schemeClr>
+                </a:solidFill>
+              </a:endParaRPr>
+            </a:p>
+            <a:p>
+              <a:pPr algn="ctr"/>
+              <a:r>
+                <a:rPr lang="en-US" altLang="ko-KR" sz="2800" b="1">
+                  <a:solidFill>
+                    <a:schemeClr val="accent1">
+                      <a:lumMod val="75000"/>
+                    </a:schemeClr>
+                  </a:solidFill>
+                </a:rPr>
+                <a:t>34</a:t>
+              </a:r>
+              <a:r>
+                <a:rPr lang="ko-KR" altLang="en-US" sz="2800" b="1">
+                  <a:solidFill>
+                    <a:schemeClr val="accent1">
+                      <a:lumMod val="75000"/>
+                    </a:schemeClr>
+                  </a:solidFill>
+                </a:rPr>
+                <a:t>억</a:t>
+              </a:r>
+            </a:p>
+          </p:txBody>
+        </p:sp>
+        <p:cxnSp>
+          <p:nvCxnSpPr>
+            <p:cNvPr id="13" name="직선 연결선 12">
+              <a:extLst>
+                <a:ext uri="{FF2B5EF4-FFF2-40B4-BE49-F238E27FC236}">
+                  <a16:creationId xmlns:a16="http://schemas.microsoft.com/office/drawing/2014/main" id="{C3E38B47-52DE-6877-5BDD-76CF6A568770}"/>
+                </a:ext>
+              </a:extLst>
+            </p:cNvPr>
+            <p:cNvCxnSpPr/>
+            <p:nvPr/>
+          </p:nvCxnSpPr>
+          <p:spPr>
+            <a:xfrm>
+              <a:off x="945675" y="3570833"/>
+              <a:ext cx="1943934" cy="0"/>
+            </a:xfrm>
+            <a:prstGeom prst="line">
+              <a:avLst/>
+            </a:prstGeom>
+            <a:ln w="57150">
+              <a:solidFill>
+                <a:srgbClr val="FFC000"/>
+              </a:solidFill>
+            </a:ln>
+          </p:spPr>
+          <p:style>
+            <a:lnRef idx="1">
+              <a:schemeClr val="accent1"/>
+            </a:lnRef>
+            <a:fillRef idx="0">
+              <a:schemeClr val="accent1"/>
+            </a:fillRef>
+            <a:effectRef idx="0">
+              <a:schemeClr val="accent1"/>
+            </a:effectRef>
+            <a:fontRef idx="minor">
+              <a:schemeClr val="tx1"/>
+            </a:fontRef>
+          </p:style>
+        </p:cxnSp>
+      </p:grpSp>
+      <p:pic>
+        <p:nvPicPr>
+          <p:cNvPr id="5" name="그림 4">
+            <a:extLst>
+              <a:ext uri="{FF2B5EF4-FFF2-40B4-BE49-F238E27FC236}">
+                <a16:creationId xmlns:a16="http://schemas.microsoft.com/office/drawing/2014/main" id="{E332006A-841A-1BF3-7343-FE5135202A2D}"/>
+              </a:ext>
+            </a:extLst>
+          </p:cNvPr>
+          <p:cNvPicPr>
+            <a:picLocks noChangeAspect="1"/>
+          </p:cNvPicPr>
+          <p:nvPr/>
+        </p:nvPicPr>
+        <p:blipFill>
+          <a:blip r:embed="rId2"/>
+          <a:stretch>
+            <a:fillRect/>
+          </a:stretch>
+        </p:blipFill>
+        <p:spPr>
+          <a:xfrm>
+            <a:off x="3606759" y="332599"/>
+            <a:ext cx="6183984" cy="3696886"/>
+          </a:xfrm>
+          <a:prstGeom prst="rect">
+            <a:avLst/>
+          </a:prstGeom>
+        </p:spPr>
+      </p:pic>
+      <p:pic>
+        <p:nvPicPr>
+          <p:cNvPr id="14" name="그림 13">
+            <a:extLst>
+              <a:ext uri="{FF2B5EF4-FFF2-40B4-BE49-F238E27FC236}">
+                <a16:creationId xmlns:a16="http://schemas.microsoft.com/office/drawing/2014/main" id="{21D3FD9F-F356-ACEF-8D94-9212C64929A9}"/>
+              </a:ext>
+            </a:extLst>
+          </p:cNvPr>
+          <p:cNvPicPr>
+            <a:picLocks noChangeAspect="1"/>
+          </p:cNvPicPr>
+          <p:nvPr/>
+        </p:nvPicPr>
+        <p:blipFill>
+          <a:blip r:embed="rId3"/>
+          <a:stretch>
+            <a:fillRect/>
+          </a:stretch>
+        </p:blipFill>
+        <p:spPr>
+          <a:xfrm>
+            <a:off x="5431855" y="4016594"/>
+            <a:ext cx="6442274" cy="2471389"/>
+          </a:xfrm>
+          <a:prstGeom prst="rect">
+            <a:avLst/>
+          </a:prstGeom>
+        </p:spPr>
+      </p:pic>
+      <p:pic>
+        <p:nvPicPr>
+          <p:cNvPr id="17" name="그림 16">
+            <a:extLst>
+              <a:ext uri="{FF2B5EF4-FFF2-40B4-BE49-F238E27FC236}">
+                <a16:creationId xmlns:a16="http://schemas.microsoft.com/office/drawing/2014/main" id="{CAD7FB87-0969-7666-2D82-6577BF6D98EF}"/>
+              </a:ext>
+            </a:extLst>
+          </p:cNvPr>
+          <p:cNvPicPr>
+            <a:picLocks noChangeAspect="1"/>
+          </p:cNvPicPr>
+          <p:nvPr/>
+        </p:nvPicPr>
+        <p:blipFill>
+          <a:blip r:embed="rId4"/>
+          <a:stretch>
+            <a:fillRect/>
+          </a:stretch>
+        </p:blipFill>
+        <p:spPr>
+          <a:xfrm>
+            <a:off x="1127110" y="3758573"/>
+            <a:ext cx="1682037" cy="2227017"/>
+          </a:xfrm>
+          <a:prstGeom prst="rect">
+            <a:avLst/>
+          </a:prstGeom>
+        </p:spPr>
+      </p:pic>
+      <p:sp>
+        <p:nvSpPr>
+          <p:cNvPr id="2" name="슬라이드 번호 개체 틀 1">
+            <a:extLst>
+              <a:ext uri="{FF2B5EF4-FFF2-40B4-BE49-F238E27FC236}">
+                <a16:creationId xmlns:a16="http://schemas.microsoft.com/office/drawing/2014/main" id="{E9EB2802-FE61-06F0-01FE-31BE696212A3}"/>
+              </a:ext>
+            </a:extLst>
+          </p:cNvPr>
+          <p:cNvSpPr>
+            <a:spLocks noGrp="1"/>
+          </p:cNvSpPr>
+          <p:nvPr>
+            <p:ph type="sldNum" sz="quarter" idx="12"/>
+          </p:nvPr>
+        </p:nvSpPr>
+        <p:spPr/>
+        <p:txBody>
+          <a:bodyPr/>
+          <a:lstStyle/>
+          <a:p>
+            <a:fld id="{1AE2E34B-DD3C-4456-A087-75C0074477A7}" type="slidenum">
+              <a:rPr lang="ko-KR" altLang="en-US" smtClean="0"/>
+              <a:t>10</a:t>
+            </a:fld>
+            <a:endParaRPr lang="ko-KR" altLang="en-US"/>
+          </a:p>
+        </p:txBody>
+      </p:sp>
+    </p:spTree>
+    <p:extLst>
+      <p:ext uri="{BB962C8B-B14F-4D97-AF65-F5344CB8AC3E}">
+        <p14:creationId xmlns:p14="http://schemas.microsoft.com/office/powerpoint/2010/main" val="79749680"/>
+      </p:ext>
+    </p:extLst>
+  </p:cSld>
+  <p:clrMapOvr>
+    <a:masterClrMapping/>
+  </p:clrMapOvr>
+</p:sld>
+</file>
+
+<file path=ppt/slides/slide11.xml><?xml version="1.0" encoding="utf-8"?>
+<p:sld xmlns:a="http://schemas.openxmlformats.org/drawingml/2006/main" xmlns:r="http://schemas.openxmlformats.org/officeDocument/2006/relationships" xmlns:p="http://schemas.openxmlformats.org/presentationml/2006/main">
+  <p:cSld>
+    <p:spTree>
+      <p:nvGrpSpPr>
+        <p:cNvPr id="1" name=""/>
+        <p:cNvGrpSpPr/>
+        <p:nvPr/>
+      </p:nvGrpSpPr>
+      <p:grpSpPr>
+        <a:xfrm>
+          <a:off x="0" y="0"/>
+          <a:ext cx="0" cy="0"/>
+          <a:chOff x="0" y="0"/>
+          <a:chExt cx="0" cy="0"/>
+        </a:xfrm>
+      </p:grpSpPr>
+      <p:sp>
+        <p:nvSpPr>
+          <p:cNvPr id="2" name="TextBox 1">
+            <a:extLst>
+              <a:ext uri="{FF2B5EF4-FFF2-40B4-BE49-F238E27FC236}">
+                <a16:creationId xmlns:a16="http://schemas.microsoft.com/office/drawing/2014/main" id="{56CBFD96-60DF-0878-939C-92E68D01C24D}"/>
+              </a:ext>
+            </a:extLst>
+          </p:cNvPr>
+          <p:cNvSpPr txBox="1"/>
+          <p:nvPr/>
+        </p:nvSpPr>
+        <p:spPr>
+          <a:xfrm>
+            <a:off x="525613" y="474601"/>
+            <a:ext cx="2778242" cy="307777"/>
+          </a:xfrm>
+          <a:prstGeom prst="rect">
+            <a:avLst/>
+          </a:prstGeom>
+          <a:noFill/>
+        </p:spPr>
+        <p:txBody>
+          <a:bodyPr wrap="square">
+            <a:spAutoFit/>
+          </a:bodyPr>
+          <a:lstStyle/>
+          <a:p>
+            <a:pPr algn="ctr"/>
+            <a:r>
+              <a:rPr lang="en-US" altLang="ko-KR" sz="1400" b="1">
+                <a:solidFill>
+                  <a:schemeClr val="accent1">
+                    <a:lumMod val="75000"/>
+                  </a:schemeClr>
+                </a:solidFill>
+                <a:latin typeface="+mn-ea"/>
+              </a:rPr>
+              <a:t>2023 </a:t>
+            </a:r>
+            <a:r>
+              <a:rPr lang="ko-KR" altLang="en-US" sz="1400" b="1">
+                <a:solidFill>
+                  <a:schemeClr val="accent1">
+                    <a:lumMod val="75000"/>
+                  </a:schemeClr>
+                </a:solidFill>
+                <a:latin typeface="+mn-ea"/>
+              </a:rPr>
+              <a:t>국회위원 재산공개 데이터</a:t>
+            </a:r>
+            <a:endParaRPr lang="en-US" altLang="ko-KR" sz="1400" b="1">
+              <a:solidFill>
+                <a:schemeClr val="accent1">
+                  <a:lumMod val="75000"/>
+                </a:schemeClr>
+              </a:solidFill>
+              <a:latin typeface="+mn-ea"/>
+            </a:endParaRPr>
+          </a:p>
+        </p:txBody>
+      </p:sp>
+      <p:sp>
+        <p:nvSpPr>
+          <p:cNvPr id="3" name="TextBox 2">
+            <a:extLst>
+              <a:ext uri="{FF2B5EF4-FFF2-40B4-BE49-F238E27FC236}">
+                <a16:creationId xmlns:a16="http://schemas.microsoft.com/office/drawing/2014/main" id="{C287824C-2F29-EC06-C055-9851EE7992F6}"/>
+              </a:ext>
+            </a:extLst>
+          </p:cNvPr>
+          <p:cNvSpPr txBox="1"/>
+          <p:nvPr/>
+        </p:nvSpPr>
+        <p:spPr>
+          <a:xfrm>
+            <a:off x="525613" y="782378"/>
+            <a:ext cx="2778242" cy="707886"/>
+          </a:xfrm>
+          <a:prstGeom prst="rect">
+            <a:avLst/>
+          </a:prstGeom>
+          <a:noFill/>
+        </p:spPr>
+        <p:txBody>
+          <a:bodyPr wrap="square">
+            <a:spAutoFit/>
+          </a:bodyPr>
+          <a:lstStyle/>
+          <a:p>
+            <a:pPr algn="ctr"/>
+            <a:r>
+              <a:rPr lang="ko-KR" altLang="en-US" sz="4000" b="1" dirty="0">
                 <a:solidFill>
                   <a:srgbClr val="C00000"/>
                 </a:solidFill>
@@ -4498,7 +4479,7 @@
               <a:t>토지</a:t>
             </a:r>
             <a:r>
-              <a:rPr lang="ko-KR" altLang="en-US" sz="4000" b="1">
+              <a:rPr lang="ko-KR" altLang="en-US" sz="4000" b="1" dirty="0">
                 <a:solidFill>
                   <a:schemeClr val="accent1">
                     <a:lumMod val="75000"/>
@@ -4509,7 +4490,7 @@
               <a:t> </a:t>
             </a:r>
             <a:r>
-              <a:rPr lang="en-US" altLang="ko-KR" sz="4000" b="1">
+              <a:rPr lang="en-US" altLang="ko-KR" sz="4000" b="1" dirty="0">
                 <a:solidFill>
                   <a:schemeClr val="accent1">
                     <a:lumMod val="75000"/>
@@ -4520,7 +4501,7 @@
               <a:t>, </a:t>
             </a:r>
             <a:r>
-              <a:rPr lang="ko-KR" altLang="en-US" sz="4000" b="1">
+              <a:rPr lang="ko-KR" altLang="en-US" sz="4000" b="1" dirty="0">
                 <a:solidFill>
                   <a:srgbClr val="0000FF"/>
                 </a:solidFill>
@@ -4528,7 +4509,7 @@
               </a:rPr>
               <a:t>건물</a:t>
             </a:r>
-            <a:endParaRPr lang="ko-KR" altLang="en-US" sz="4000">
+            <a:endParaRPr lang="ko-KR" altLang="en-US" sz="4000" dirty="0">
               <a:solidFill>
                 <a:srgbClr val="0000FF"/>
               </a:solidFill>
@@ -5035,7 +5016,7 @@
           <a:p>
             <a:fld id="{1AE2E34B-DD3C-4456-A087-75C0074477A7}" type="slidenum">
               <a:rPr lang="ko-KR" altLang="en-US" smtClean="0"/>
-              <a:t>10</a:t>
+              <a:t>11</a:t>
             </a:fld>
             <a:endParaRPr lang="ko-KR" altLang="en-US"/>
           </a:p>
@@ -5054,7 +5035,7 @@
 </p:sld>
 </file>
 
-<file path=ppt/slides/slide11.xml><?xml version="1.0" encoding="utf-8"?>
+<file path=ppt/slides/slide12.xml><?xml version="1.0" encoding="utf-8"?>
 <p:sld xmlns:a="http://schemas.openxmlformats.org/drawingml/2006/main" xmlns:r="http://schemas.openxmlformats.org/officeDocument/2006/relationships" xmlns:p="http://schemas.openxmlformats.org/presentationml/2006/main">
   <p:cSld>
     <p:spTree>
@@ -5163,7 +5144,7 @@
           <a:p>
             <a:pPr algn="ctr"/>
             <a:r>
-              <a:rPr lang="ko-KR" altLang="en-US" sz="4000" b="1">
+              <a:rPr lang="ko-KR" altLang="en-US" sz="4000" b="1" dirty="0">
                 <a:solidFill>
                   <a:schemeClr val="accent1">
                     <a:lumMod val="75000"/>
@@ -5173,7 +5154,7 @@
               </a:rPr>
               <a:t>증권</a:t>
             </a:r>
-            <a:endParaRPr lang="ko-KR" altLang="en-US" sz="4000">
+            <a:endParaRPr lang="ko-KR" altLang="en-US" sz="4000" dirty="0">
               <a:solidFill>
                 <a:schemeClr val="accent1">
                   <a:lumMod val="75000"/>
@@ -5605,7 +5586,7 @@
           <a:p>
             <a:fld id="{1AE2E34B-DD3C-4456-A087-75C0074477A7}" type="slidenum">
               <a:rPr lang="ko-KR" altLang="en-US" smtClean="0"/>
-              <a:t>11</a:t>
+              <a:t>12</a:t>
             </a:fld>
             <a:endParaRPr lang="ko-KR" altLang="en-US"/>
           </a:p>
@@ -5624,7 +5605,1258 @@
 </p:sld>
 </file>
 
+<file path=ppt/slides/slide13.xml><?xml version="1.0" encoding="utf-8"?>
+<p:sld xmlns:a="http://schemas.openxmlformats.org/drawingml/2006/main" xmlns:r="http://schemas.openxmlformats.org/officeDocument/2006/relationships" xmlns:p="http://schemas.openxmlformats.org/presentationml/2006/main">
+  <p:cSld>
+    <p:spTree>
+      <p:nvGrpSpPr>
+        <p:cNvPr id="1" name=""/>
+        <p:cNvGrpSpPr/>
+        <p:nvPr/>
+      </p:nvGrpSpPr>
+      <p:grpSpPr>
+        <a:xfrm>
+          <a:off x="0" y="0"/>
+          <a:ext cx="0" cy="0"/>
+          <a:chOff x="0" y="0"/>
+          <a:chExt cx="0" cy="0"/>
+        </a:xfrm>
+      </p:grpSpPr>
+      <p:sp>
+        <p:nvSpPr>
+          <p:cNvPr id="4" name="슬라이드 번호 개체 틀 3">
+            <a:extLst>
+              <a:ext uri="{FF2B5EF4-FFF2-40B4-BE49-F238E27FC236}">
+                <a16:creationId xmlns:a16="http://schemas.microsoft.com/office/drawing/2014/main" id="{598ABD17-22DD-46FB-B840-0A7D00C7331E}"/>
+              </a:ext>
+            </a:extLst>
+          </p:cNvPr>
+          <p:cNvSpPr>
+            <a:spLocks noGrp="1"/>
+          </p:cNvSpPr>
+          <p:nvPr>
+            <p:ph type="sldNum" sz="quarter" idx="12"/>
+          </p:nvPr>
+        </p:nvSpPr>
+        <p:spPr/>
+        <p:txBody>
+          <a:bodyPr/>
+          <a:lstStyle/>
+          <a:p>
+            <a:fld id="{1AE2E34B-DD3C-4456-A087-75C0074477A7}" type="slidenum">
+              <a:rPr lang="ko-KR" altLang="en-US" smtClean="0"/>
+              <a:t>13</a:t>
+            </a:fld>
+            <a:endParaRPr lang="ko-KR" altLang="en-US"/>
+          </a:p>
+        </p:txBody>
+      </p:sp>
+      <p:sp>
+        <p:nvSpPr>
+          <p:cNvPr id="5" name="TextBox 4">
+            <a:extLst>
+              <a:ext uri="{FF2B5EF4-FFF2-40B4-BE49-F238E27FC236}">
+                <a16:creationId xmlns:a16="http://schemas.microsoft.com/office/drawing/2014/main" id="{D656F57A-06B3-4E27-875E-A15DA1593271}"/>
+              </a:ext>
+            </a:extLst>
+          </p:cNvPr>
+          <p:cNvSpPr txBox="1"/>
+          <p:nvPr/>
+        </p:nvSpPr>
+        <p:spPr>
+          <a:xfrm>
+            <a:off x="2929254" y="1437702"/>
+            <a:ext cx="6014004" cy="1938992"/>
+          </a:xfrm>
+          <a:prstGeom prst="rect">
+            <a:avLst/>
+          </a:prstGeom>
+          <a:noFill/>
+        </p:spPr>
+        <p:txBody>
+          <a:bodyPr wrap="square">
+            <a:spAutoFit/>
+          </a:bodyPr>
+          <a:lstStyle/>
+          <a:p>
+            <a:pPr algn="ctr"/>
+            <a:r>
+              <a:rPr lang="ko-KR" altLang="en-US" sz="4000" b="1" dirty="0">
+                <a:solidFill>
+                  <a:schemeClr val="accent1">
+                    <a:lumMod val="75000"/>
+                  </a:schemeClr>
+                </a:solidFill>
+                <a:latin typeface="+mn-ea"/>
+              </a:rPr>
+              <a:t>데이터는 말하고 있는데</a:t>
+            </a:r>
+            <a:endParaRPr lang="en-US" altLang="ko-KR" sz="4000" b="1" dirty="0">
+              <a:solidFill>
+                <a:schemeClr val="accent1">
+                  <a:lumMod val="75000"/>
+                </a:schemeClr>
+              </a:solidFill>
+              <a:latin typeface="+mn-ea"/>
+            </a:endParaRPr>
+          </a:p>
+          <a:p>
+            <a:pPr algn="ctr"/>
+            <a:endParaRPr lang="en-US" altLang="ko-KR" sz="4000" b="1" dirty="0">
+              <a:solidFill>
+                <a:schemeClr val="accent1">
+                  <a:lumMod val="75000"/>
+                </a:schemeClr>
+              </a:solidFill>
+              <a:latin typeface="+mn-ea"/>
+            </a:endParaRPr>
+          </a:p>
+          <a:p>
+            <a:pPr algn="ctr"/>
+            <a:r>
+              <a:rPr lang="ko-KR" altLang="en-US" sz="4000" b="1" dirty="0">
+                <a:solidFill>
+                  <a:schemeClr val="accent1">
+                    <a:lumMod val="75000"/>
+                  </a:schemeClr>
+                </a:solidFill>
+                <a:latin typeface="+mn-ea"/>
+              </a:rPr>
+              <a:t>그럼</a:t>
+            </a:r>
+            <a:r>
+              <a:rPr lang="en-US" altLang="ko-KR" sz="4000" b="1" dirty="0">
+                <a:solidFill>
+                  <a:schemeClr val="accent1">
+                    <a:lumMod val="75000"/>
+                  </a:schemeClr>
+                </a:solidFill>
+                <a:latin typeface="+mn-ea"/>
+              </a:rPr>
+              <a:t>, </a:t>
+            </a:r>
+            <a:r>
+              <a:rPr lang="ko-KR" altLang="en-US" sz="4000" b="1" dirty="0">
+                <a:solidFill>
+                  <a:schemeClr val="accent1">
+                    <a:lumMod val="75000"/>
+                  </a:schemeClr>
+                </a:solidFill>
+                <a:latin typeface="+mn-ea"/>
+              </a:rPr>
+              <a:t>나는 </a:t>
+            </a:r>
+            <a:r>
+              <a:rPr lang="en-US" altLang="ko-KR" sz="4000" b="1" dirty="0">
+                <a:solidFill>
+                  <a:schemeClr val="accent1">
+                    <a:lumMod val="75000"/>
+                  </a:schemeClr>
+                </a:solidFill>
+                <a:latin typeface="+mn-ea"/>
+              </a:rPr>
+              <a:t>?</a:t>
+            </a:r>
+            <a:r>
+              <a:rPr lang="ko-KR" altLang="en-US" sz="4000" b="1" dirty="0">
+                <a:solidFill>
+                  <a:schemeClr val="accent1">
+                    <a:lumMod val="75000"/>
+                  </a:schemeClr>
+                </a:solidFill>
+                <a:latin typeface="+mn-ea"/>
+              </a:rPr>
+              <a:t> </a:t>
+            </a:r>
+            <a:endParaRPr lang="ko-KR" altLang="en-US" sz="4000" dirty="0">
+              <a:solidFill>
+                <a:schemeClr val="accent1">
+                  <a:lumMod val="75000"/>
+                </a:schemeClr>
+              </a:solidFill>
+            </a:endParaRPr>
+          </a:p>
+        </p:txBody>
+      </p:sp>
+      <p:sp>
+        <p:nvSpPr>
+          <p:cNvPr id="6" name="말풍선: 타원형 5">
+            <a:extLst>
+              <a:ext uri="{FF2B5EF4-FFF2-40B4-BE49-F238E27FC236}">
+                <a16:creationId xmlns:a16="http://schemas.microsoft.com/office/drawing/2014/main" id="{46324A6C-1F3B-4F45-A4E1-48010BECA6AA}"/>
+              </a:ext>
+            </a:extLst>
+          </p:cNvPr>
+          <p:cNvSpPr/>
+          <p:nvPr/>
+        </p:nvSpPr>
+        <p:spPr>
+          <a:xfrm>
+            <a:off x="5737953" y="3919071"/>
+            <a:ext cx="1663546" cy="919909"/>
+          </a:xfrm>
+          <a:prstGeom prst="wedgeEllipseCallout">
+            <a:avLst/>
+          </a:prstGeom>
+          <a:solidFill>
+            <a:schemeClr val="accent1">
+              <a:lumMod val="20000"/>
+              <a:lumOff val="80000"/>
+            </a:schemeClr>
+          </a:solidFill>
+          <a:ln>
+            <a:noFill/>
+          </a:ln>
+        </p:spPr>
+        <p:style>
+          <a:lnRef idx="2">
+            <a:schemeClr val="accent1">
+              <a:shade val="50000"/>
+            </a:schemeClr>
+          </a:lnRef>
+          <a:fillRef idx="1">
+            <a:schemeClr val="accent1"/>
+          </a:fillRef>
+          <a:effectRef idx="0">
+            <a:schemeClr val="accent1"/>
+          </a:effectRef>
+          <a:fontRef idx="minor">
+            <a:schemeClr val="lt1"/>
+          </a:fontRef>
+        </p:style>
+        <p:txBody>
+          <a:bodyPr rtlCol="0" anchor="ctr"/>
+          <a:lstStyle/>
+          <a:p>
+            <a:pPr algn="ctr"/>
+            <a:endParaRPr lang="ko-KR" altLang="en-US"/>
+          </a:p>
+        </p:txBody>
+      </p:sp>
+      <p:sp>
+        <p:nvSpPr>
+          <p:cNvPr id="7" name="원통형 6">
+            <a:extLst>
+              <a:ext uri="{FF2B5EF4-FFF2-40B4-BE49-F238E27FC236}">
+                <a16:creationId xmlns:a16="http://schemas.microsoft.com/office/drawing/2014/main" id="{B95EC1DB-182E-45EE-8456-6BAFE262F90F}"/>
+              </a:ext>
+            </a:extLst>
+          </p:cNvPr>
+          <p:cNvSpPr/>
+          <p:nvPr/>
+        </p:nvSpPr>
+        <p:spPr>
+          <a:xfrm>
+            <a:off x="5418462" y="4972266"/>
+            <a:ext cx="776689" cy="630895"/>
+          </a:xfrm>
+          <a:prstGeom prst="can">
+            <a:avLst/>
+          </a:prstGeom>
+          <a:solidFill>
+            <a:srgbClr val="92D050"/>
+          </a:solidFill>
+        </p:spPr>
+        <p:style>
+          <a:lnRef idx="2">
+            <a:schemeClr val="accent1">
+              <a:shade val="50000"/>
+            </a:schemeClr>
+          </a:lnRef>
+          <a:fillRef idx="1">
+            <a:schemeClr val="accent1"/>
+          </a:fillRef>
+          <a:effectRef idx="0">
+            <a:schemeClr val="accent1"/>
+          </a:effectRef>
+          <a:fontRef idx="minor">
+            <a:schemeClr val="lt1"/>
+          </a:fontRef>
+        </p:style>
+        <p:txBody>
+          <a:bodyPr rtlCol="0" anchor="ctr"/>
+          <a:lstStyle/>
+          <a:p>
+            <a:pPr algn="ctr"/>
+            <a:endParaRPr lang="ko-KR" altLang="en-US"/>
+          </a:p>
+        </p:txBody>
+      </p:sp>
+    </p:spTree>
+    <p:extLst>
+      <p:ext uri="{BB962C8B-B14F-4D97-AF65-F5344CB8AC3E}">
+        <p14:creationId xmlns:p14="http://schemas.microsoft.com/office/powerpoint/2010/main" val="1700467476"/>
+      </p:ext>
+    </p:extLst>
+  </p:cSld>
+  <p:clrMapOvr>
+    <a:masterClrMapping/>
+  </p:clrMapOvr>
+</p:sld>
+</file>
+
 <file path=ppt/slides/slide2.xml><?xml version="1.0" encoding="utf-8"?>
+<p:sld xmlns:a="http://schemas.openxmlformats.org/drawingml/2006/main" xmlns:r="http://schemas.openxmlformats.org/officeDocument/2006/relationships" xmlns:p="http://schemas.openxmlformats.org/presentationml/2006/main">
+  <p:cSld>
+    <p:spTree>
+      <p:nvGrpSpPr>
+        <p:cNvPr id="1" name=""/>
+        <p:cNvGrpSpPr/>
+        <p:nvPr/>
+      </p:nvGrpSpPr>
+      <p:grpSpPr>
+        <a:xfrm>
+          <a:off x="0" y="0"/>
+          <a:ext cx="0" cy="0"/>
+          <a:chOff x="0" y="0"/>
+          <a:chExt cx="0" cy="0"/>
+        </a:xfrm>
+      </p:grpSpPr>
+      <p:sp>
+        <p:nvSpPr>
+          <p:cNvPr id="4" name="슬라이드 번호 개체 틀 3">
+            <a:extLst>
+              <a:ext uri="{FF2B5EF4-FFF2-40B4-BE49-F238E27FC236}">
+                <a16:creationId xmlns:a16="http://schemas.microsoft.com/office/drawing/2014/main" id="{6DDACD63-2C30-4CA7-B5A3-9C314E939243}"/>
+              </a:ext>
+            </a:extLst>
+          </p:cNvPr>
+          <p:cNvSpPr>
+            <a:spLocks noGrp="1"/>
+          </p:cNvSpPr>
+          <p:nvPr>
+            <p:ph type="sldNum" sz="quarter" idx="12"/>
+          </p:nvPr>
+        </p:nvSpPr>
+        <p:spPr/>
+        <p:txBody>
+          <a:bodyPr/>
+          <a:lstStyle/>
+          <a:p>
+            <a:fld id="{1AE2E34B-DD3C-4456-A087-75C0074477A7}" type="slidenum">
+              <a:rPr lang="ko-KR" altLang="en-US" smtClean="0"/>
+              <a:t>2</a:t>
+            </a:fld>
+            <a:endParaRPr lang="ko-KR" altLang="en-US"/>
+          </a:p>
+        </p:txBody>
+      </p:sp>
+      <p:sp>
+        <p:nvSpPr>
+          <p:cNvPr id="5" name="TextBox 4">
+            <a:extLst>
+              <a:ext uri="{FF2B5EF4-FFF2-40B4-BE49-F238E27FC236}">
+                <a16:creationId xmlns:a16="http://schemas.microsoft.com/office/drawing/2014/main" id="{4A8A05CB-69EF-4CB8-9CA4-702105485492}"/>
+              </a:ext>
+            </a:extLst>
+          </p:cNvPr>
+          <p:cNvSpPr txBox="1"/>
+          <p:nvPr/>
+        </p:nvSpPr>
+        <p:spPr>
+          <a:xfrm>
+            <a:off x="810709" y="436864"/>
+            <a:ext cx="5541384" cy="707886"/>
+          </a:xfrm>
+          <a:prstGeom prst="rect">
+            <a:avLst/>
+          </a:prstGeom>
+          <a:solidFill>
+            <a:schemeClr val="accent1">
+              <a:lumMod val="20000"/>
+              <a:lumOff val="80000"/>
+            </a:schemeClr>
+          </a:solidFill>
+        </p:spPr>
+        <p:txBody>
+          <a:bodyPr wrap="square">
+            <a:spAutoFit/>
+          </a:bodyPr>
+          <a:lstStyle/>
+          <a:p>
+            <a:pPr algn="ctr"/>
+            <a:r>
+              <a:rPr lang="ko-KR" altLang="en-US" sz="4000" b="1">
+                <a:solidFill>
+                  <a:schemeClr val="accent1">
+                    <a:lumMod val="50000"/>
+                  </a:schemeClr>
+                </a:solidFill>
+                <a:latin typeface="+mn-ea"/>
+              </a:rPr>
+              <a:t>도입 </a:t>
+            </a:r>
+            <a:endParaRPr lang="ko-KR" altLang="en-US" sz="4000">
+              <a:solidFill>
+                <a:schemeClr val="accent1">
+                  <a:lumMod val="50000"/>
+                </a:schemeClr>
+              </a:solidFill>
+            </a:endParaRPr>
+          </a:p>
+        </p:txBody>
+      </p:sp>
+      <p:sp>
+        <p:nvSpPr>
+          <p:cNvPr id="6" name="TextBox 5">
+            <a:extLst>
+              <a:ext uri="{FF2B5EF4-FFF2-40B4-BE49-F238E27FC236}">
+                <a16:creationId xmlns:a16="http://schemas.microsoft.com/office/drawing/2014/main" id="{AE8F2BAB-15FA-42C8-AE20-D4F571395FF9}"/>
+              </a:ext>
+            </a:extLst>
+          </p:cNvPr>
+          <p:cNvSpPr txBox="1"/>
+          <p:nvPr/>
+        </p:nvSpPr>
+        <p:spPr>
+          <a:xfrm>
+            <a:off x="810709" y="1305464"/>
+            <a:ext cx="5541384" cy="707886"/>
+          </a:xfrm>
+          <a:prstGeom prst="rect">
+            <a:avLst/>
+          </a:prstGeom>
+          <a:solidFill>
+            <a:schemeClr val="accent1">
+              <a:lumMod val="20000"/>
+              <a:lumOff val="80000"/>
+            </a:schemeClr>
+          </a:solidFill>
+        </p:spPr>
+        <p:txBody>
+          <a:bodyPr wrap="square">
+            <a:spAutoFit/>
+          </a:bodyPr>
+          <a:lstStyle/>
+          <a:p>
+            <a:pPr algn="ctr"/>
+            <a:r>
+              <a:rPr lang="ko-KR" altLang="en-US" sz="4000" b="1">
+                <a:solidFill>
+                  <a:schemeClr val="accent1">
+                    <a:lumMod val="50000"/>
+                  </a:schemeClr>
+                </a:solidFill>
+                <a:latin typeface="+mn-ea"/>
+              </a:rPr>
+              <a:t>분석대상 </a:t>
+            </a:r>
+            <a:endParaRPr lang="ko-KR" altLang="en-US" sz="4000">
+              <a:solidFill>
+                <a:schemeClr val="accent1">
+                  <a:lumMod val="50000"/>
+                </a:schemeClr>
+              </a:solidFill>
+            </a:endParaRPr>
+          </a:p>
+        </p:txBody>
+      </p:sp>
+      <p:sp>
+        <p:nvSpPr>
+          <p:cNvPr id="7" name="TextBox 6">
+            <a:extLst>
+              <a:ext uri="{FF2B5EF4-FFF2-40B4-BE49-F238E27FC236}">
+                <a16:creationId xmlns:a16="http://schemas.microsoft.com/office/drawing/2014/main" id="{D91CCF27-A277-4C0F-B618-240884D55655}"/>
+              </a:ext>
+            </a:extLst>
+          </p:cNvPr>
+          <p:cNvSpPr txBox="1"/>
+          <p:nvPr/>
+        </p:nvSpPr>
+        <p:spPr>
+          <a:xfrm>
+            <a:off x="810709" y="2174064"/>
+            <a:ext cx="5541384" cy="707886"/>
+          </a:xfrm>
+          <a:prstGeom prst="rect">
+            <a:avLst/>
+          </a:prstGeom>
+          <a:solidFill>
+            <a:schemeClr val="accent1">
+              <a:lumMod val="20000"/>
+              <a:lumOff val="80000"/>
+            </a:schemeClr>
+          </a:solidFill>
+        </p:spPr>
+        <p:txBody>
+          <a:bodyPr wrap="square">
+            <a:spAutoFit/>
+          </a:bodyPr>
+          <a:lstStyle/>
+          <a:p>
+            <a:pPr algn="ctr"/>
+            <a:r>
+              <a:rPr lang="ko-KR" altLang="en-US" sz="4000" b="1">
+                <a:solidFill>
+                  <a:schemeClr val="accent1">
+                    <a:lumMod val="75000"/>
+                  </a:schemeClr>
+                </a:solidFill>
+                <a:latin typeface="+mn-ea"/>
+              </a:rPr>
+              <a:t>재산구분 </a:t>
+            </a:r>
+            <a:endParaRPr lang="ko-KR" altLang="en-US" sz="4000">
+              <a:solidFill>
+                <a:schemeClr val="accent1">
+                  <a:lumMod val="75000"/>
+                </a:schemeClr>
+              </a:solidFill>
+            </a:endParaRPr>
+          </a:p>
+        </p:txBody>
+      </p:sp>
+      <p:sp>
+        <p:nvSpPr>
+          <p:cNvPr id="8" name="TextBox 7">
+            <a:extLst>
+              <a:ext uri="{FF2B5EF4-FFF2-40B4-BE49-F238E27FC236}">
+                <a16:creationId xmlns:a16="http://schemas.microsoft.com/office/drawing/2014/main" id="{6B7C1B81-2830-4D87-B0D7-6EAA7B74B77F}"/>
+              </a:ext>
+            </a:extLst>
+          </p:cNvPr>
+          <p:cNvSpPr txBox="1"/>
+          <p:nvPr/>
+        </p:nvSpPr>
+        <p:spPr>
+          <a:xfrm>
+            <a:off x="810709" y="3042664"/>
+            <a:ext cx="5541384" cy="707886"/>
+          </a:xfrm>
+          <a:prstGeom prst="rect">
+            <a:avLst/>
+          </a:prstGeom>
+          <a:solidFill>
+            <a:schemeClr val="accent1">
+              <a:lumMod val="20000"/>
+              <a:lumOff val="80000"/>
+            </a:schemeClr>
+          </a:solidFill>
+        </p:spPr>
+        <p:txBody>
+          <a:bodyPr wrap="square">
+            <a:spAutoFit/>
+          </a:bodyPr>
+          <a:lstStyle/>
+          <a:p>
+            <a:pPr algn="ctr"/>
+            <a:r>
+              <a:rPr lang="ko-KR" altLang="en-US" sz="4000" b="1" dirty="0" err="1">
+                <a:solidFill>
+                  <a:schemeClr val="accent1">
+                    <a:lumMod val="75000"/>
+                  </a:schemeClr>
+                </a:solidFill>
+                <a:latin typeface="+mn-ea"/>
+              </a:rPr>
+              <a:t>소속별</a:t>
+            </a:r>
+            <a:r>
+              <a:rPr lang="ko-KR" altLang="en-US" sz="4000" b="1" dirty="0">
+                <a:solidFill>
+                  <a:schemeClr val="accent1">
+                    <a:lumMod val="75000"/>
+                  </a:schemeClr>
+                </a:solidFill>
+                <a:latin typeface="+mn-ea"/>
+              </a:rPr>
+              <a:t> </a:t>
+            </a:r>
+            <a:endParaRPr lang="ko-KR" altLang="en-US" sz="4000" dirty="0">
+              <a:solidFill>
+                <a:schemeClr val="accent1">
+                  <a:lumMod val="75000"/>
+                </a:schemeClr>
+              </a:solidFill>
+            </a:endParaRPr>
+          </a:p>
+        </p:txBody>
+      </p:sp>
+      <p:sp>
+        <p:nvSpPr>
+          <p:cNvPr id="9" name="TextBox 8">
+            <a:extLst>
+              <a:ext uri="{FF2B5EF4-FFF2-40B4-BE49-F238E27FC236}">
+                <a16:creationId xmlns:a16="http://schemas.microsoft.com/office/drawing/2014/main" id="{0207B5DC-279A-4B7C-9921-C86ACF59101F}"/>
+              </a:ext>
+            </a:extLst>
+          </p:cNvPr>
+          <p:cNvSpPr txBox="1"/>
+          <p:nvPr/>
+        </p:nvSpPr>
+        <p:spPr>
+          <a:xfrm>
+            <a:off x="810709" y="3911264"/>
+            <a:ext cx="5541384" cy="707886"/>
+          </a:xfrm>
+          <a:prstGeom prst="rect">
+            <a:avLst/>
+          </a:prstGeom>
+          <a:solidFill>
+            <a:schemeClr val="accent1">
+              <a:lumMod val="20000"/>
+              <a:lumOff val="80000"/>
+            </a:schemeClr>
+          </a:solidFill>
+        </p:spPr>
+        <p:txBody>
+          <a:bodyPr wrap="square">
+            <a:spAutoFit/>
+          </a:bodyPr>
+          <a:lstStyle/>
+          <a:p>
+            <a:pPr algn="ctr"/>
+            <a:r>
+              <a:rPr lang="ko-KR" altLang="en-US" sz="4000" b="1">
+                <a:solidFill>
+                  <a:schemeClr val="accent1">
+                    <a:lumMod val="75000"/>
+                  </a:schemeClr>
+                </a:solidFill>
+                <a:latin typeface="+mn-ea"/>
+              </a:rPr>
+              <a:t>개인별 </a:t>
+            </a:r>
+            <a:endParaRPr lang="ko-KR" altLang="en-US" sz="4000">
+              <a:solidFill>
+                <a:schemeClr val="accent1">
+                  <a:lumMod val="75000"/>
+                </a:schemeClr>
+              </a:solidFill>
+            </a:endParaRPr>
+          </a:p>
+        </p:txBody>
+      </p:sp>
+      <p:sp>
+        <p:nvSpPr>
+          <p:cNvPr id="10" name="TextBox 9">
+            <a:extLst>
+              <a:ext uri="{FF2B5EF4-FFF2-40B4-BE49-F238E27FC236}">
+                <a16:creationId xmlns:a16="http://schemas.microsoft.com/office/drawing/2014/main" id="{AD152DEE-FB67-4449-BB50-9E691C83423A}"/>
+              </a:ext>
+            </a:extLst>
+          </p:cNvPr>
+          <p:cNvSpPr txBox="1"/>
+          <p:nvPr/>
+        </p:nvSpPr>
+        <p:spPr>
+          <a:xfrm>
+            <a:off x="810709" y="4779864"/>
+            <a:ext cx="5541384" cy="707886"/>
+          </a:xfrm>
+          <a:prstGeom prst="rect">
+            <a:avLst/>
+          </a:prstGeom>
+          <a:solidFill>
+            <a:schemeClr val="accent1">
+              <a:lumMod val="20000"/>
+              <a:lumOff val="80000"/>
+            </a:schemeClr>
+          </a:solidFill>
+        </p:spPr>
+        <p:txBody>
+          <a:bodyPr wrap="square">
+            <a:spAutoFit/>
+          </a:bodyPr>
+          <a:lstStyle/>
+          <a:p>
+            <a:pPr algn="ctr"/>
+            <a:r>
+              <a:rPr lang="ko-KR" altLang="en-US" sz="4000" b="1" dirty="0">
+                <a:solidFill>
+                  <a:srgbClr val="C00000"/>
+                </a:solidFill>
+                <a:latin typeface="+mn-ea"/>
+              </a:rPr>
+              <a:t>토지</a:t>
+            </a:r>
+            <a:r>
+              <a:rPr lang="ko-KR" altLang="en-US" sz="4000" b="1" dirty="0">
+                <a:solidFill>
+                  <a:schemeClr val="accent1">
+                    <a:lumMod val="75000"/>
+                  </a:schemeClr>
+                </a:solidFill>
+                <a:latin typeface="+mn-ea"/>
+              </a:rPr>
+              <a:t> </a:t>
+            </a:r>
+            <a:r>
+              <a:rPr lang="en-US" altLang="ko-KR" sz="4000" b="1" dirty="0">
+                <a:solidFill>
+                  <a:schemeClr val="accent1">
+                    <a:lumMod val="75000"/>
+                  </a:schemeClr>
+                </a:solidFill>
+                <a:latin typeface="+mn-ea"/>
+              </a:rPr>
+              <a:t>, </a:t>
+            </a:r>
+            <a:r>
+              <a:rPr lang="ko-KR" altLang="en-US" sz="4000" b="1" dirty="0">
+                <a:solidFill>
+                  <a:srgbClr val="0000FF"/>
+                </a:solidFill>
+                <a:latin typeface="+mn-ea"/>
+              </a:rPr>
+              <a:t>건물</a:t>
+            </a:r>
+            <a:endParaRPr lang="ko-KR" altLang="en-US" sz="4000" dirty="0">
+              <a:solidFill>
+                <a:srgbClr val="0000FF"/>
+              </a:solidFill>
+            </a:endParaRPr>
+          </a:p>
+        </p:txBody>
+      </p:sp>
+      <p:sp>
+        <p:nvSpPr>
+          <p:cNvPr id="11" name="TextBox 10">
+            <a:extLst>
+              <a:ext uri="{FF2B5EF4-FFF2-40B4-BE49-F238E27FC236}">
+                <a16:creationId xmlns:a16="http://schemas.microsoft.com/office/drawing/2014/main" id="{CEE9043C-9C72-4288-8EB2-C61ECADE784B}"/>
+              </a:ext>
+            </a:extLst>
+          </p:cNvPr>
+          <p:cNvSpPr txBox="1"/>
+          <p:nvPr/>
+        </p:nvSpPr>
+        <p:spPr>
+          <a:xfrm>
+            <a:off x="810709" y="5648464"/>
+            <a:ext cx="5541384" cy="707886"/>
+          </a:xfrm>
+          <a:prstGeom prst="rect">
+            <a:avLst/>
+          </a:prstGeom>
+          <a:solidFill>
+            <a:schemeClr val="accent1">
+              <a:lumMod val="20000"/>
+              <a:lumOff val="80000"/>
+            </a:schemeClr>
+          </a:solidFill>
+        </p:spPr>
+        <p:txBody>
+          <a:bodyPr wrap="square">
+            <a:spAutoFit/>
+          </a:bodyPr>
+          <a:lstStyle/>
+          <a:p>
+            <a:pPr algn="ctr"/>
+            <a:r>
+              <a:rPr lang="ko-KR" altLang="en-US" sz="4000" b="1" dirty="0">
+                <a:solidFill>
+                  <a:schemeClr val="accent1">
+                    <a:lumMod val="75000"/>
+                  </a:schemeClr>
+                </a:solidFill>
+                <a:latin typeface="+mn-ea"/>
+              </a:rPr>
+              <a:t>증권</a:t>
+            </a:r>
+            <a:endParaRPr lang="ko-KR" altLang="en-US" sz="4000" dirty="0">
+              <a:solidFill>
+                <a:schemeClr val="accent1">
+                  <a:lumMod val="75000"/>
+                </a:schemeClr>
+              </a:solidFill>
+            </a:endParaRPr>
+          </a:p>
+        </p:txBody>
+      </p:sp>
+      <p:sp>
+        <p:nvSpPr>
+          <p:cNvPr id="19" name="직사각형 18">
+            <a:extLst>
+              <a:ext uri="{FF2B5EF4-FFF2-40B4-BE49-F238E27FC236}">
+                <a16:creationId xmlns:a16="http://schemas.microsoft.com/office/drawing/2014/main" id="{9E241DDA-292A-407F-98A2-0CBE85BAF607}"/>
+              </a:ext>
+            </a:extLst>
+          </p:cNvPr>
+          <p:cNvSpPr/>
+          <p:nvPr/>
+        </p:nvSpPr>
+        <p:spPr>
+          <a:xfrm>
+            <a:off x="6869017" y="434542"/>
+            <a:ext cx="4590210" cy="5866350"/>
+          </a:xfrm>
+          <a:prstGeom prst="rect">
+            <a:avLst/>
+          </a:prstGeom>
+          <a:solidFill>
+            <a:schemeClr val="bg1">
+              <a:lumMod val="95000"/>
+            </a:schemeClr>
+          </a:solidFill>
+        </p:spPr>
+        <p:txBody>
+          <a:bodyPr wrap="square">
+            <a:spAutoFit/>
+          </a:bodyPr>
+          <a:lstStyle/>
+          <a:p>
+            <a:pPr>
+              <a:lnSpc>
+                <a:spcPct val="150000"/>
+              </a:lnSpc>
+            </a:pPr>
+            <a:r>
+              <a:rPr lang="ko-KR" altLang="en-US" b="1" dirty="0">
+                <a:solidFill>
+                  <a:srgbClr val="3B454E"/>
+                </a:solidFill>
+                <a:latin typeface="gitbook-content-font"/>
+                <a:ea typeface="Malgun Gothic" panose="020B0503020000020004" pitchFamily="50" charset="-127"/>
+              </a:rPr>
+              <a:t>국회의원 </a:t>
+            </a:r>
+            <a:r>
+              <a:rPr lang="en-US" altLang="ko-KR" b="1" dirty="0">
+                <a:solidFill>
+                  <a:srgbClr val="3B454E"/>
+                </a:solidFill>
+                <a:latin typeface="gitbook-content-font"/>
+                <a:ea typeface="Malgun Gothic" panose="020B0503020000020004" pitchFamily="50" charset="-127"/>
+              </a:rPr>
+              <a:t>(national assembly)</a:t>
+            </a:r>
+          </a:p>
+          <a:p>
+            <a:pPr>
+              <a:lnSpc>
+                <a:spcPct val="150000"/>
+              </a:lnSpc>
+            </a:pPr>
+            <a:r>
+              <a:rPr lang="ko-KR" altLang="en-US" dirty="0">
+                <a:solidFill>
+                  <a:srgbClr val="3B454E"/>
+                </a:solidFill>
+                <a:latin typeface="gitbook-content-font"/>
+                <a:ea typeface="Malgun Gothic" panose="020B0503020000020004" pitchFamily="50" charset="-127"/>
+              </a:rPr>
+              <a:t>대한민국 국회의원은 국민의 대표로서 법률을 만들고</a:t>
+            </a:r>
+            <a:r>
+              <a:rPr lang="en-US" altLang="ko-KR" dirty="0">
+                <a:solidFill>
+                  <a:srgbClr val="3B454E"/>
+                </a:solidFill>
+                <a:latin typeface="gitbook-content-font"/>
+                <a:ea typeface="Malgun Gothic" panose="020B0503020000020004" pitchFamily="50" charset="-127"/>
+              </a:rPr>
+              <a:t>, </a:t>
+            </a:r>
+            <a:r>
+              <a:rPr lang="ko-KR" altLang="en-US" dirty="0">
+                <a:solidFill>
+                  <a:srgbClr val="3B454E"/>
+                </a:solidFill>
+                <a:latin typeface="gitbook-content-font"/>
+                <a:ea typeface="Malgun Gothic" panose="020B0503020000020004" pitchFamily="50" charset="-127"/>
+              </a:rPr>
+              <a:t>예산을 심의하고</a:t>
+            </a:r>
+            <a:r>
+              <a:rPr lang="en-US" altLang="ko-KR" dirty="0">
+                <a:solidFill>
+                  <a:srgbClr val="3B454E"/>
+                </a:solidFill>
+                <a:latin typeface="gitbook-content-font"/>
+                <a:ea typeface="Malgun Gothic" panose="020B0503020000020004" pitchFamily="50" charset="-127"/>
+              </a:rPr>
+              <a:t>, </a:t>
+            </a:r>
+            <a:r>
+              <a:rPr lang="ko-KR" altLang="en-US" dirty="0">
+                <a:solidFill>
+                  <a:srgbClr val="3B454E"/>
+                </a:solidFill>
+                <a:latin typeface="gitbook-content-font"/>
+                <a:ea typeface="Malgun Gothic" panose="020B0503020000020004" pitchFamily="50" charset="-127"/>
+              </a:rPr>
+              <a:t>행정부 등의 국정 운영을 감시하는 역할</a:t>
+            </a:r>
+            <a:r>
+              <a:rPr lang="en-US" altLang="ko-KR" dirty="0">
+                <a:solidFill>
+                  <a:srgbClr val="3B454E"/>
+                </a:solidFill>
+                <a:latin typeface="gitbook-content-font"/>
+                <a:ea typeface="Malgun Gothic" panose="020B0503020000020004" pitchFamily="50" charset="-127"/>
+              </a:rPr>
+              <a:t>.</a:t>
+            </a:r>
+          </a:p>
+          <a:p>
+            <a:pPr>
+              <a:lnSpc>
+                <a:spcPct val="150000"/>
+              </a:lnSpc>
+            </a:pPr>
+            <a:r>
+              <a:rPr lang="ko-KR" altLang="en-US" dirty="0">
+                <a:solidFill>
+                  <a:srgbClr val="3B454E"/>
+                </a:solidFill>
+                <a:latin typeface="gitbook-content-font"/>
+                <a:ea typeface="Malgun Gothic" panose="020B0503020000020004" pitchFamily="50" charset="-127"/>
+              </a:rPr>
+              <a:t>국회의원 총선거를 통해 </a:t>
+            </a:r>
+            <a:r>
+              <a:rPr lang="en-US" altLang="ko-KR" dirty="0">
+                <a:solidFill>
+                  <a:srgbClr val="3B454E"/>
+                </a:solidFill>
+                <a:latin typeface="gitbook-content-font"/>
+                <a:ea typeface="Malgun Gothic" panose="020B0503020000020004" pitchFamily="50" charset="-127"/>
+              </a:rPr>
+              <a:t>4</a:t>
+            </a:r>
+            <a:r>
+              <a:rPr lang="ko-KR" altLang="en-US" dirty="0">
+                <a:solidFill>
+                  <a:srgbClr val="3B454E"/>
+                </a:solidFill>
+                <a:latin typeface="gitbook-content-font"/>
+                <a:ea typeface="Malgun Gothic" panose="020B0503020000020004" pitchFamily="50" charset="-127"/>
+              </a:rPr>
+              <a:t>년에 한번씩 국회의원을 선출</a:t>
+            </a:r>
+            <a:r>
+              <a:rPr lang="en-US" altLang="ko-KR" dirty="0">
+                <a:solidFill>
+                  <a:srgbClr val="3B454E"/>
+                </a:solidFill>
+                <a:latin typeface="gitbook-content-font"/>
+                <a:ea typeface="Malgun Gothic" panose="020B0503020000020004" pitchFamily="50" charset="-127"/>
+              </a:rPr>
+              <a:t>.</a:t>
+            </a:r>
+          </a:p>
+          <a:p>
+            <a:pPr>
+              <a:lnSpc>
+                <a:spcPct val="150000"/>
+              </a:lnSpc>
+            </a:pPr>
+            <a:r>
+              <a:rPr lang="en-US" altLang="ko-KR" dirty="0">
+                <a:solidFill>
+                  <a:srgbClr val="3B454E"/>
+                </a:solidFill>
+                <a:latin typeface="gitbook-content-font"/>
+                <a:ea typeface="Malgun Gothic" panose="020B0503020000020004" pitchFamily="50" charset="-127"/>
+              </a:rPr>
+              <a:t>2023</a:t>
+            </a:r>
+            <a:r>
+              <a:rPr lang="ko-KR" altLang="en-US" dirty="0" err="1">
+                <a:solidFill>
+                  <a:srgbClr val="3B454E"/>
+                </a:solidFill>
+                <a:latin typeface="gitbook-content-font"/>
+                <a:ea typeface="Malgun Gothic" panose="020B0503020000020004" pitchFamily="50" charset="-127"/>
+              </a:rPr>
+              <a:t>년현재</a:t>
+            </a:r>
+            <a:r>
+              <a:rPr lang="ko-KR" altLang="en-US" dirty="0">
+                <a:solidFill>
+                  <a:srgbClr val="3B454E"/>
+                </a:solidFill>
+                <a:latin typeface="gitbook-content-font"/>
+                <a:ea typeface="Malgun Gothic" panose="020B0503020000020004" pitchFamily="50" charset="-127"/>
+              </a:rPr>
+              <a:t> 국회의원의 정원은 총</a:t>
+            </a:r>
+            <a:r>
+              <a:rPr lang="en-US" altLang="ko-KR" dirty="0">
+                <a:solidFill>
+                  <a:srgbClr val="3B454E"/>
+                </a:solidFill>
+                <a:latin typeface="gitbook-content-font"/>
+                <a:ea typeface="Malgun Gothic" panose="020B0503020000020004" pitchFamily="50" charset="-127"/>
+              </a:rPr>
+              <a:t>300</a:t>
+            </a:r>
+            <a:r>
+              <a:rPr lang="ko-KR" altLang="en-US" dirty="0">
+                <a:solidFill>
+                  <a:srgbClr val="3B454E"/>
+                </a:solidFill>
+                <a:latin typeface="gitbook-content-font"/>
+                <a:ea typeface="Malgun Gothic" panose="020B0503020000020004" pitchFamily="50" charset="-127"/>
+              </a:rPr>
+              <a:t>인 </a:t>
+            </a:r>
+            <a:r>
+              <a:rPr lang="en-US" altLang="ko-KR" dirty="0">
+                <a:solidFill>
+                  <a:srgbClr val="3B454E"/>
+                </a:solidFill>
+                <a:latin typeface="gitbook-content-font"/>
+                <a:ea typeface="Malgun Gothic" panose="020B0503020000020004" pitchFamily="50" charset="-127"/>
+              </a:rPr>
+              <a:t>(</a:t>
+            </a:r>
+            <a:r>
+              <a:rPr lang="ko-KR" altLang="en-US" dirty="0">
+                <a:solidFill>
+                  <a:srgbClr val="3B454E"/>
+                </a:solidFill>
+                <a:latin typeface="gitbook-content-font"/>
+                <a:ea typeface="Malgun Gothic" panose="020B0503020000020004" pitchFamily="50" charset="-127"/>
+              </a:rPr>
+              <a:t>지역구 </a:t>
+            </a:r>
+            <a:r>
+              <a:rPr lang="en-US" altLang="ko-KR" dirty="0">
+                <a:solidFill>
+                  <a:srgbClr val="3B454E"/>
+                </a:solidFill>
+                <a:latin typeface="gitbook-content-font"/>
+                <a:ea typeface="Malgun Gothic" panose="020B0503020000020004" pitchFamily="50" charset="-127"/>
+              </a:rPr>
+              <a:t>253</a:t>
+            </a:r>
+            <a:r>
+              <a:rPr lang="ko-KR" altLang="en-US" dirty="0">
+                <a:solidFill>
+                  <a:srgbClr val="3B454E"/>
+                </a:solidFill>
+                <a:latin typeface="gitbook-content-font"/>
+                <a:ea typeface="Malgun Gothic" panose="020B0503020000020004" pitchFamily="50" charset="-127"/>
+              </a:rPr>
+              <a:t>인</a:t>
+            </a:r>
+            <a:r>
+              <a:rPr lang="en-US" altLang="ko-KR" dirty="0">
+                <a:solidFill>
+                  <a:srgbClr val="3B454E"/>
+                </a:solidFill>
+                <a:latin typeface="gitbook-content-font"/>
+                <a:ea typeface="Malgun Gothic" panose="020B0503020000020004" pitchFamily="50" charset="-127"/>
+              </a:rPr>
+              <a:t>, </a:t>
+            </a:r>
+            <a:r>
+              <a:rPr lang="ko-KR" altLang="en-US" dirty="0">
+                <a:solidFill>
+                  <a:srgbClr val="3B454E"/>
+                </a:solidFill>
+                <a:latin typeface="gitbook-content-font"/>
+                <a:ea typeface="Malgun Gothic" panose="020B0503020000020004" pitchFamily="50" charset="-127"/>
+              </a:rPr>
+              <a:t>비례대표 </a:t>
+            </a:r>
+            <a:r>
+              <a:rPr lang="en-US" altLang="ko-KR" dirty="0">
+                <a:solidFill>
+                  <a:srgbClr val="3B454E"/>
+                </a:solidFill>
+                <a:latin typeface="gitbook-content-font"/>
+                <a:ea typeface="Malgun Gothic" panose="020B0503020000020004" pitchFamily="50" charset="-127"/>
+              </a:rPr>
+              <a:t>47</a:t>
+            </a:r>
+            <a:r>
+              <a:rPr lang="ko-KR" altLang="en-US" dirty="0">
+                <a:solidFill>
+                  <a:srgbClr val="3B454E"/>
+                </a:solidFill>
+                <a:latin typeface="gitbook-content-font"/>
+                <a:ea typeface="Malgun Gothic" panose="020B0503020000020004" pitchFamily="50" charset="-127"/>
+              </a:rPr>
+              <a:t>인</a:t>
+            </a:r>
+            <a:r>
+              <a:rPr lang="en-US" altLang="ko-KR" dirty="0">
+                <a:solidFill>
+                  <a:srgbClr val="3B454E"/>
+                </a:solidFill>
+                <a:latin typeface="gitbook-content-font"/>
+                <a:ea typeface="Malgun Gothic" panose="020B0503020000020004" pitchFamily="50" charset="-127"/>
+              </a:rPr>
+              <a:t>)</a:t>
+            </a:r>
+          </a:p>
+          <a:p>
+            <a:pPr>
+              <a:lnSpc>
+                <a:spcPct val="150000"/>
+              </a:lnSpc>
+            </a:pPr>
+            <a:r>
+              <a:rPr lang="en-US" altLang="ko-KR" dirty="0">
+                <a:solidFill>
+                  <a:srgbClr val="3B454E"/>
+                </a:solidFill>
+                <a:latin typeface="gitbook-content-font"/>
+                <a:ea typeface="Malgun Gothic" panose="020B0503020000020004" pitchFamily="50" charset="-127"/>
+              </a:rPr>
+              <a:t>(</a:t>
+            </a:r>
+            <a:r>
+              <a:rPr lang="ko-KR" altLang="en-US" dirty="0">
+                <a:solidFill>
+                  <a:srgbClr val="3B454E"/>
+                </a:solidFill>
+                <a:latin typeface="gitbook-content-font"/>
+                <a:ea typeface="Malgun Gothic" panose="020B0503020000020004" pitchFamily="50" charset="-127"/>
+              </a:rPr>
+              <a:t>공직선거법 제</a:t>
+            </a:r>
+            <a:r>
+              <a:rPr lang="en-US" altLang="ko-KR" dirty="0">
+                <a:solidFill>
+                  <a:srgbClr val="3B454E"/>
+                </a:solidFill>
+                <a:latin typeface="gitbook-content-font"/>
+                <a:ea typeface="Malgun Gothic" panose="020B0503020000020004" pitchFamily="50" charset="-127"/>
+              </a:rPr>
+              <a:t>21</a:t>
+            </a:r>
+            <a:r>
+              <a:rPr lang="ko-KR" altLang="en-US" dirty="0">
+                <a:solidFill>
+                  <a:srgbClr val="3B454E"/>
+                </a:solidFill>
+                <a:latin typeface="gitbook-content-font"/>
+                <a:ea typeface="Malgun Gothic" panose="020B0503020000020004" pitchFamily="50" charset="-127"/>
+              </a:rPr>
+              <a:t>조 제</a:t>
+            </a:r>
+            <a:r>
+              <a:rPr lang="en-US" altLang="ko-KR" dirty="0">
+                <a:solidFill>
+                  <a:srgbClr val="3B454E"/>
+                </a:solidFill>
+                <a:latin typeface="gitbook-content-font"/>
+                <a:ea typeface="Malgun Gothic" panose="020B0503020000020004" pitchFamily="50" charset="-127"/>
+              </a:rPr>
+              <a:t>1</a:t>
+            </a:r>
+            <a:r>
+              <a:rPr lang="ko-KR" altLang="en-US" dirty="0">
+                <a:solidFill>
+                  <a:srgbClr val="3B454E"/>
+                </a:solidFill>
+                <a:latin typeface="gitbook-content-font"/>
+                <a:ea typeface="Malgun Gothic" panose="020B0503020000020004" pitchFamily="50" charset="-127"/>
+              </a:rPr>
+              <a:t>항</a:t>
+            </a:r>
+            <a:r>
+              <a:rPr lang="en-US" altLang="ko-KR" dirty="0">
+                <a:solidFill>
+                  <a:srgbClr val="3B454E"/>
+                </a:solidFill>
+                <a:latin typeface="gitbook-content-font"/>
+                <a:ea typeface="Malgun Gothic" panose="020B0503020000020004" pitchFamily="50" charset="-127"/>
+              </a:rPr>
+              <a:t>)</a:t>
+            </a:r>
+          </a:p>
+          <a:p>
+            <a:pPr>
+              <a:lnSpc>
+                <a:spcPct val="150000"/>
+              </a:lnSpc>
+            </a:pPr>
+            <a:endParaRPr lang="en-US" altLang="ko-KR" dirty="0">
+              <a:solidFill>
+                <a:srgbClr val="3B454E"/>
+              </a:solidFill>
+              <a:latin typeface="gitbook-content-font"/>
+              <a:ea typeface="Malgun Gothic" panose="020B0503020000020004" pitchFamily="50" charset="-127"/>
+            </a:endParaRPr>
+          </a:p>
+          <a:p>
+            <a:pPr>
+              <a:lnSpc>
+                <a:spcPct val="150000"/>
+              </a:lnSpc>
+            </a:pPr>
+            <a:endParaRPr lang="en-US" altLang="ko-KR" dirty="0">
+              <a:solidFill>
+                <a:srgbClr val="3B454E"/>
+              </a:solidFill>
+              <a:latin typeface="gitbook-content-font"/>
+              <a:ea typeface="Malgun Gothic" panose="020B0503020000020004" pitchFamily="50" charset="-127"/>
+            </a:endParaRPr>
+          </a:p>
+          <a:p>
+            <a:pPr>
+              <a:lnSpc>
+                <a:spcPct val="150000"/>
+              </a:lnSpc>
+            </a:pPr>
+            <a:endParaRPr lang="en-US" altLang="ko-KR" dirty="0">
+              <a:solidFill>
+                <a:srgbClr val="3B454E"/>
+              </a:solidFill>
+              <a:latin typeface="gitbook-content-font"/>
+              <a:ea typeface="Malgun Gothic" panose="020B0503020000020004" pitchFamily="50" charset="-127"/>
+            </a:endParaRPr>
+          </a:p>
+          <a:p>
+            <a:pPr>
+              <a:lnSpc>
+                <a:spcPct val="150000"/>
+              </a:lnSpc>
+            </a:pPr>
+            <a:endParaRPr lang="en-US" altLang="ko-KR" dirty="0">
+              <a:solidFill>
+                <a:srgbClr val="3B454E"/>
+              </a:solidFill>
+              <a:latin typeface="gitbook-content-font"/>
+              <a:ea typeface="Malgun Gothic" panose="020B0503020000020004" pitchFamily="50" charset="-127"/>
+            </a:endParaRPr>
+          </a:p>
+          <a:p>
+            <a:pPr>
+              <a:lnSpc>
+                <a:spcPct val="150000"/>
+              </a:lnSpc>
+            </a:pPr>
+            <a:r>
+              <a:rPr lang="en-US" altLang="ko-KR" dirty="0">
+                <a:solidFill>
+                  <a:srgbClr val="3B454E"/>
+                </a:solidFill>
+                <a:latin typeface="gitbook-content-font"/>
+                <a:ea typeface="Malgun Gothic" panose="020B0503020000020004" pitchFamily="50" charset="-127"/>
+              </a:rPr>
+              <a:t> </a:t>
+            </a:r>
+            <a:endParaRPr lang="en-US" altLang="ko-KR" b="0" i="0" strike="noStrike" dirty="0">
+              <a:solidFill>
+                <a:srgbClr val="3B454E"/>
+              </a:solidFill>
+              <a:effectLst/>
+              <a:latin typeface="gitbook-content-font"/>
+              <a:ea typeface="Malgun Gothic" panose="020B0503020000020004" pitchFamily="50" charset="-127"/>
+            </a:endParaRPr>
+          </a:p>
+        </p:txBody>
+      </p:sp>
+    </p:spTree>
+    <p:extLst>
+      <p:ext uri="{BB962C8B-B14F-4D97-AF65-F5344CB8AC3E}">
+        <p14:creationId xmlns:p14="http://schemas.microsoft.com/office/powerpoint/2010/main" val="2563346109"/>
+      </p:ext>
+    </p:extLst>
+  </p:cSld>
+  <p:clrMapOvr>
+    <a:masterClrMapping/>
+  </p:clrMapOvr>
+</p:sld>
+</file>
+
+<file path=ppt/slides/slide3.xml><?xml version="1.0" encoding="utf-8"?>
 <p:sld xmlns:a="http://schemas.openxmlformats.org/drawingml/2006/main" xmlns:r="http://schemas.openxmlformats.org/officeDocument/2006/relationships" xmlns:p="http://schemas.openxmlformats.org/presentationml/2006/main">
   <p:cSld>
     <p:spTree>
@@ -6590,7 +7822,7 @@
           <a:p>
             <a:fld id="{1AE2E34B-DD3C-4456-A087-75C0074477A7}" type="slidenum">
               <a:rPr lang="ko-KR" altLang="en-US" smtClean="0"/>
-              <a:t>2</a:t>
+              <a:t>3</a:t>
             </a:fld>
             <a:endParaRPr lang="ko-KR" altLang="en-US"/>
           </a:p>
@@ -6609,7 +7841,7 @@
 </p:sld>
 </file>
 
-<file path=ppt/slides/slide3.xml><?xml version="1.0" encoding="utf-8"?>
+<file path=ppt/slides/slide4.xml><?xml version="1.0" encoding="utf-8"?>
 <p:sld xmlns:a="http://schemas.openxmlformats.org/drawingml/2006/main" xmlns:r="http://schemas.openxmlformats.org/officeDocument/2006/relationships" xmlns:p="http://schemas.openxmlformats.org/presentationml/2006/main">
   <p:cSld>
     <p:spTree>
@@ -7137,7 +8369,7 @@
           <a:p>
             <a:fld id="{1AE2E34B-DD3C-4456-A087-75C0074477A7}" type="slidenum">
               <a:rPr lang="ko-KR" altLang="en-US" smtClean="0"/>
-              <a:t>3</a:t>
+              <a:t>4</a:t>
             </a:fld>
             <a:endParaRPr lang="ko-KR" altLang="en-US"/>
           </a:p>
@@ -7156,7 +8388,7 @@
 </p:sld>
 </file>
 
-<file path=ppt/slides/slide4.xml><?xml version="1.0" encoding="utf-8"?>
+<file path=ppt/slides/slide5.xml><?xml version="1.0" encoding="utf-8"?>
 <p:sld xmlns:a="http://schemas.openxmlformats.org/drawingml/2006/main" xmlns:r="http://schemas.openxmlformats.org/officeDocument/2006/relationships" xmlns:p="http://schemas.openxmlformats.org/presentationml/2006/main">
   <p:cSld>
     <p:spTree>
@@ -7839,7 +9071,7 @@
           <a:p>
             <a:pPr algn="ctr"/>
             <a:r>
-              <a:rPr lang="ko-KR" altLang="en-US" b="1">
+              <a:rPr lang="ko-KR" altLang="en-US" b="1" dirty="0">
                 <a:solidFill>
                   <a:schemeClr val="accent1">
                     <a:lumMod val="75000"/>
@@ -7849,7 +9081,7 @@
               <a:t>재산구분 총액 (채무 합산) : </a:t>
             </a:r>
             <a:r>
-              <a:rPr lang="ko-KR" altLang="en-US" sz="4000" b="1">
+              <a:rPr lang="ko-KR" altLang="en-US" sz="4000" b="1" dirty="0">
                 <a:solidFill>
                   <a:schemeClr val="accent1">
                     <a:lumMod val="75000"/>
@@ -7884,7 +9116,7 @@
           <a:p>
             <a:fld id="{1AE2E34B-DD3C-4456-A087-75C0074477A7}" type="slidenum">
               <a:rPr lang="ko-KR" altLang="en-US" smtClean="0"/>
-              <a:t>4</a:t>
+              <a:t>5</a:t>
             </a:fld>
             <a:endParaRPr lang="ko-KR" altLang="en-US"/>
           </a:p>
@@ -7903,7 +9135,7 @@
 </p:sld>
 </file>
 
-<file path=ppt/slides/slide5.xml><?xml version="1.0" encoding="utf-8"?>
+<file path=ppt/slides/slide6.xml><?xml version="1.0" encoding="utf-8"?>
 <p:sld xmlns:a="http://schemas.openxmlformats.org/drawingml/2006/main" xmlns:r="http://schemas.openxmlformats.org/officeDocument/2006/relationships" xmlns:p="http://schemas.openxmlformats.org/presentationml/2006/main">
   <p:cSld>
     <p:spTree>
@@ -8544,7 +9776,7 @@
           <a:p>
             <a:fld id="{1AE2E34B-DD3C-4456-A087-75C0074477A7}" type="slidenum">
               <a:rPr lang="ko-KR" altLang="en-US" smtClean="0"/>
-              <a:t>5</a:t>
+              <a:t>6</a:t>
             </a:fld>
             <a:endParaRPr lang="ko-KR" altLang="en-US"/>
           </a:p>
@@ -8563,7 +9795,7 @@
 </p:sld>
 </file>
 
-<file path=ppt/slides/slide6.xml><?xml version="1.0" encoding="utf-8"?>
+<file path=ppt/slides/slide7.xml><?xml version="1.0" encoding="utf-8"?>
 <p:sld xmlns:a="http://schemas.openxmlformats.org/drawingml/2006/main" xmlns:r="http://schemas.openxmlformats.org/officeDocument/2006/relationships" xmlns:p="http://schemas.openxmlformats.org/presentationml/2006/main">
   <p:cSld>
     <p:spTree>
@@ -8938,7 +10170,7 @@
           <a:p>
             <a:fld id="{1AE2E34B-DD3C-4456-A087-75C0074477A7}" type="slidenum">
               <a:rPr lang="ko-KR" altLang="en-US" smtClean="0"/>
-              <a:t>6</a:t>
+              <a:t>7</a:t>
             </a:fld>
             <a:endParaRPr lang="ko-KR" altLang="en-US"/>
           </a:p>
@@ -8957,7 +10189,7 @@
 </p:sld>
 </file>
 
-<file path=ppt/slides/slide7.xml><?xml version="1.0" encoding="utf-8"?>
+<file path=ppt/slides/slide8.xml><?xml version="1.0" encoding="utf-8"?>
 <p:sld xmlns:a="http://schemas.openxmlformats.org/drawingml/2006/main" xmlns:r="http://schemas.openxmlformats.org/officeDocument/2006/relationships" xmlns:p="http://schemas.openxmlformats.org/presentationml/2006/main">
   <p:cSld>
     <p:spTree>
@@ -9383,7 +10615,7 @@
           <a:p>
             <a:fld id="{1AE2E34B-DD3C-4456-A087-75C0074477A7}" type="slidenum">
               <a:rPr lang="ko-KR" altLang="en-US" smtClean="0"/>
-              <a:t>7</a:t>
+              <a:t>8</a:t>
             </a:fld>
             <a:endParaRPr lang="ko-KR" altLang="en-US"/>
           </a:p>
@@ -9402,7 +10634,7 @@
 </p:sld>
 </file>
 
-<file path=ppt/slides/slide8.xml><?xml version="1.0" encoding="utf-8"?>
+<file path=ppt/slides/slide9.xml><?xml version="1.0" encoding="utf-8"?>
 <p:sld xmlns:a="http://schemas.openxmlformats.org/drawingml/2006/main" xmlns:r="http://schemas.openxmlformats.org/officeDocument/2006/relationships" xmlns:p="http://schemas.openxmlformats.org/presentationml/2006/main">
   <p:cSld>
     <p:spTree>
@@ -9818,7 +11050,7 @@
           <a:p>
             <a:fld id="{1AE2E34B-DD3C-4456-A087-75C0074477A7}" type="slidenum">
               <a:rPr lang="ko-KR" altLang="en-US" smtClean="0"/>
-              <a:t>8</a:t>
+              <a:t>9</a:t>
             </a:fld>
             <a:endParaRPr lang="ko-KR" altLang="en-US"/>
           </a:p>
@@ -9828,441 +11060,6 @@
     <p:extLst>
       <p:ext uri="{BB962C8B-B14F-4D97-AF65-F5344CB8AC3E}">
         <p14:creationId xmlns:p14="http://schemas.microsoft.com/office/powerpoint/2010/main" val="2294400581"/>
-      </p:ext>
-    </p:extLst>
-  </p:cSld>
-  <p:clrMapOvr>
-    <a:masterClrMapping/>
-  </p:clrMapOvr>
-</p:sld>
-</file>
-
-<file path=ppt/slides/slide9.xml><?xml version="1.0" encoding="utf-8"?>
-<p:sld xmlns:a="http://schemas.openxmlformats.org/drawingml/2006/main" xmlns:r="http://schemas.openxmlformats.org/officeDocument/2006/relationships" xmlns:p="http://schemas.openxmlformats.org/presentationml/2006/main">
-  <p:cSld>
-    <p:spTree>
-      <p:nvGrpSpPr>
-        <p:cNvPr id="1" name=""/>
-        <p:cNvGrpSpPr/>
-        <p:nvPr/>
-      </p:nvGrpSpPr>
-      <p:grpSpPr>
-        <a:xfrm>
-          <a:off x="0" y="0"/>
-          <a:ext cx="0" cy="0"/>
-          <a:chOff x="0" y="0"/>
-          <a:chExt cx="0" cy="0"/>
-        </a:xfrm>
-      </p:grpSpPr>
-      <p:sp>
-        <p:nvSpPr>
-          <p:cNvPr id="3" name="TextBox 2">
-            <a:extLst>
-              <a:ext uri="{FF2B5EF4-FFF2-40B4-BE49-F238E27FC236}">
-                <a16:creationId xmlns:a16="http://schemas.microsoft.com/office/drawing/2014/main" id="{E817AE16-DA82-24D4-4BD2-61DAF562FDD5}"/>
-              </a:ext>
-            </a:extLst>
-          </p:cNvPr>
-          <p:cNvSpPr txBox="1"/>
-          <p:nvPr/>
-        </p:nvSpPr>
-        <p:spPr>
-          <a:xfrm>
-            <a:off x="525613" y="474601"/>
-            <a:ext cx="2778242" cy="307777"/>
-          </a:xfrm>
-          <a:prstGeom prst="rect">
-            <a:avLst/>
-          </a:prstGeom>
-          <a:noFill/>
-        </p:spPr>
-        <p:txBody>
-          <a:bodyPr wrap="square">
-            <a:spAutoFit/>
-          </a:bodyPr>
-          <a:lstStyle/>
-          <a:p>
-            <a:pPr algn="ctr"/>
-            <a:r>
-              <a:rPr lang="en-US" altLang="ko-KR" sz="1400" b="1">
-                <a:solidFill>
-                  <a:schemeClr val="accent1">
-                    <a:lumMod val="75000"/>
-                  </a:schemeClr>
-                </a:solidFill>
-                <a:latin typeface="+mn-ea"/>
-              </a:rPr>
-              <a:t>2023 </a:t>
-            </a:r>
-            <a:r>
-              <a:rPr lang="ko-KR" altLang="en-US" sz="1400" b="1">
-                <a:solidFill>
-                  <a:schemeClr val="accent1">
-                    <a:lumMod val="75000"/>
-                  </a:schemeClr>
-                </a:solidFill>
-                <a:latin typeface="+mn-ea"/>
-              </a:rPr>
-              <a:t>국회위원 재산공개 데이터</a:t>
-            </a:r>
-            <a:endParaRPr lang="en-US" altLang="ko-KR" sz="1400" b="1">
-              <a:solidFill>
-                <a:schemeClr val="accent1">
-                  <a:lumMod val="75000"/>
-                </a:schemeClr>
-              </a:solidFill>
-              <a:latin typeface="+mn-ea"/>
-            </a:endParaRPr>
-          </a:p>
-        </p:txBody>
-      </p:sp>
-      <p:sp>
-        <p:nvSpPr>
-          <p:cNvPr id="4" name="TextBox 3">
-            <a:extLst>
-              <a:ext uri="{FF2B5EF4-FFF2-40B4-BE49-F238E27FC236}">
-                <a16:creationId xmlns:a16="http://schemas.microsoft.com/office/drawing/2014/main" id="{E0C74403-DCBC-0C1B-8A47-6856FD1ABF25}"/>
-              </a:ext>
-            </a:extLst>
-          </p:cNvPr>
-          <p:cNvSpPr txBox="1"/>
-          <p:nvPr/>
-        </p:nvSpPr>
-        <p:spPr>
-          <a:xfrm>
-            <a:off x="525613" y="782378"/>
-            <a:ext cx="2778242" cy="707886"/>
-          </a:xfrm>
-          <a:prstGeom prst="rect">
-            <a:avLst/>
-          </a:prstGeom>
-          <a:noFill/>
-        </p:spPr>
-        <p:txBody>
-          <a:bodyPr wrap="square">
-            <a:spAutoFit/>
-          </a:bodyPr>
-          <a:lstStyle/>
-          <a:p>
-            <a:pPr algn="ctr"/>
-            <a:r>
-              <a:rPr lang="ko-KR" altLang="en-US" sz="4000" b="1">
-                <a:solidFill>
-                  <a:schemeClr val="accent1">
-                    <a:lumMod val="75000"/>
-                  </a:schemeClr>
-                </a:solidFill>
-                <a:latin typeface="+mn-ea"/>
-              </a:rPr>
-              <a:t>개인별 </a:t>
-            </a:r>
-            <a:endParaRPr lang="ko-KR" altLang="en-US" sz="4000">
-              <a:solidFill>
-                <a:schemeClr val="accent1">
-                  <a:lumMod val="75000"/>
-                </a:schemeClr>
-              </a:solidFill>
-            </a:endParaRPr>
-          </a:p>
-        </p:txBody>
-      </p:sp>
-      <p:grpSp>
-        <p:nvGrpSpPr>
-          <p:cNvPr id="9" name="그룹 8">
-            <a:extLst>
-              <a:ext uri="{FF2B5EF4-FFF2-40B4-BE49-F238E27FC236}">
-                <a16:creationId xmlns:a16="http://schemas.microsoft.com/office/drawing/2014/main" id="{9BE4EB4E-D6D6-25BD-E0D3-BDD86B674DA0}"/>
-              </a:ext>
-            </a:extLst>
-          </p:cNvPr>
-          <p:cNvGrpSpPr/>
-          <p:nvPr/>
-        </p:nvGrpSpPr>
-        <p:grpSpPr>
-          <a:xfrm>
-            <a:off x="475125" y="1798041"/>
-            <a:ext cx="2879217" cy="1815882"/>
-            <a:chOff x="424638" y="2431258"/>
-            <a:chExt cx="2879217" cy="1815882"/>
-          </a:xfrm>
-        </p:grpSpPr>
-        <p:sp>
-          <p:nvSpPr>
-            <p:cNvPr id="11" name="TextBox 10">
-              <a:extLst>
-                <a:ext uri="{FF2B5EF4-FFF2-40B4-BE49-F238E27FC236}">
-                  <a16:creationId xmlns:a16="http://schemas.microsoft.com/office/drawing/2014/main" id="{C0BE8B1D-5A1F-395E-198B-0862C7DF9330}"/>
-                </a:ext>
-              </a:extLst>
-            </p:cNvPr>
-            <p:cNvSpPr txBox="1"/>
-            <p:nvPr/>
-          </p:nvSpPr>
-          <p:spPr>
-            <a:xfrm>
-              <a:off x="424638" y="2431258"/>
-              <a:ext cx="2879217" cy="1815882"/>
-            </a:xfrm>
-            <a:prstGeom prst="rect">
-              <a:avLst/>
-            </a:prstGeom>
-            <a:noFill/>
-          </p:spPr>
-          <p:txBody>
-            <a:bodyPr wrap="square">
-              <a:spAutoFit/>
-            </a:bodyPr>
-            <a:lstStyle/>
-            <a:p>
-              <a:pPr algn="ctr"/>
-              <a:r>
-                <a:rPr lang="en-US" altLang="ko-KR" sz="2800" b="1">
-                  <a:solidFill>
-                    <a:schemeClr val="accent1">
-                      <a:lumMod val="75000"/>
-                    </a:schemeClr>
-                  </a:solidFill>
-                </a:rPr>
-                <a:t>98</a:t>
-              </a:r>
-              <a:r>
-                <a:rPr lang="ko-KR" altLang="en-US" sz="2800" b="1">
-                  <a:solidFill>
-                    <a:schemeClr val="accent1">
-                      <a:lumMod val="75000"/>
-                    </a:schemeClr>
-                  </a:solidFill>
-                </a:rPr>
-                <a:t>위</a:t>
-              </a:r>
-              <a:endParaRPr lang="en-US" altLang="ko-KR" sz="2800" b="1">
-                <a:solidFill>
-                  <a:schemeClr val="accent1">
-                    <a:lumMod val="75000"/>
-                  </a:schemeClr>
-                </a:solidFill>
-              </a:endParaRPr>
-            </a:p>
-            <a:p>
-              <a:pPr algn="ctr"/>
-              <a:r>
-                <a:rPr lang="ko-KR" altLang="en-US" sz="2800" b="1">
-                  <a:solidFill>
-                    <a:schemeClr val="accent1">
-                      <a:lumMod val="75000"/>
-                    </a:schemeClr>
-                  </a:solidFill>
-                </a:rPr>
-                <a:t>이재명</a:t>
-              </a:r>
-              <a:endParaRPr lang="en-US" altLang="ko-KR" sz="2800" b="1">
-                <a:solidFill>
-                  <a:schemeClr val="accent1">
-                    <a:lumMod val="75000"/>
-                  </a:schemeClr>
-                </a:solidFill>
-              </a:endParaRPr>
-            </a:p>
-            <a:p>
-              <a:pPr algn="ctr"/>
-              <a:endParaRPr lang="en-US" altLang="ko-KR" sz="2800" b="1">
-                <a:solidFill>
-                  <a:schemeClr val="accent1">
-                    <a:lumMod val="75000"/>
-                  </a:schemeClr>
-                </a:solidFill>
-              </a:endParaRPr>
-            </a:p>
-            <a:p>
-              <a:pPr algn="ctr"/>
-              <a:r>
-                <a:rPr lang="en-US" altLang="ko-KR" sz="2800" b="1">
-                  <a:solidFill>
-                    <a:schemeClr val="accent1">
-                      <a:lumMod val="75000"/>
-                    </a:schemeClr>
-                  </a:solidFill>
-                </a:rPr>
-                <a:t>34</a:t>
-              </a:r>
-              <a:r>
-                <a:rPr lang="ko-KR" altLang="en-US" sz="2800" b="1">
-                  <a:solidFill>
-                    <a:schemeClr val="accent1">
-                      <a:lumMod val="75000"/>
-                    </a:schemeClr>
-                  </a:solidFill>
-                </a:rPr>
-                <a:t>억</a:t>
-              </a:r>
-            </a:p>
-          </p:txBody>
-        </p:sp>
-        <p:cxnSp>
-          <p:nvCxnSpPr>
-            <p:cNvPr id="13" name="직선 연결선 12">
-              <a:extLst>
-                <a:ext uri="{FF2B5EF4-FFF2-40B4-BE49-F238E27FC236}">
-                  <a16:creationId xmlns:a16="http://schemas.microsoft.com/office/drawing/2014/main" id="{C3E38B47-52DE-6877-5BDD-76CF6A568770}"/>
-                </a:ext>
-              </a:extLst>
-            </p:cNvPr>
-            <p:cNvCxnSpPr/>
-            <p:nvPr/>
-          </p:nvCxnSpPr>
-          <p:spPr>
-            <a:xfrm>
-              <a:off x="945675" y="3570833"/>
-              <a:ext cx="1943934" cy="0"/>
-            </a:xfrm>
-            <a:prstGeom prst="line">
-              <a:avLst/>
-            </a:prstGeom>
-            <a:ln w="57150">
-              <a:solidFill>
-                <a:srgbClr val="FFC000"/>
-              </a:solidFill>
-            </a:ln>
-          </p:spPr>
-          <p:style>
-            <a:lnRef idx="1">
-              <a:schemeClr val="accent1"/>
-            </a:lnRef>
-            <a:fillRef idx="0">
-              <a:schemeClr val="accent1"/>
-            </a:fillRef>
-            <a:effectRef idx="0">
-              <a:schemeClr val="accent1"/>
-            </a:effectRef>
-            <a:fontRef idx="minor">
-              <a:schemeClr val="tx1"/>
-            </a:fontRef>
-          </p:style>
-        </p:cxnSp>
-      </p:grpSp>
-      <p:pic>
-        <p:nvPicPr>
-          <p:cNvPr id="5" name="그림 4">
-            <a:extLst>
-              <a:ext uri="{FF2B5EF4-FFF2-40B4-BE49-F238E27FC236}">
-                <a16:creationId xmlns:a16="http://schemas.microsoft.com/office/drawing/2014/main" id="{E332006A-841A-1BF3-7343-FE5135202A2D}"/>
-              </a:ext>
-            </a:extLst>
-          </p:cNvPr>
-          <p:cNvPicPr>
-            <a:picLocks noChangeAspect="1"/>
-          </p:cNvPicPr>
-          <p:nvPr/>
-        </p:nvPicPr>
-        <p:blipFill>
-          <a:blip r:embed="rId2"/>
-          <a:stretch>
-            <a:fillRect/>
-          </a:stretch>
-        </p:blipFill>
-        <p:spPr>
-          <a:xfrm>
-            <a:off x="3606759" y="332599"/>
-            <a:ext cx="6183984" cy="3696886"/>
-          </a:xfrm>
-          <a:prstGeom prst="rect">
-            <a:avLst/>
-          </a:prstGeom>
-        </p:spPr>
-      </p:pic>
-      <p:pic>
-        <p:nvPicPr>
-          <p:cNvPr id="14" name="그림 13">
-            <a:extLst>
-              <a:ext uri="{FF2B5EF4-FFF2-40B4-BE49-F238E27FC236}">
-                <a16:creationId xmlns:a16="http://schemas.microsoft.com/office/drawing/2014/main" id="{21D3FD9F-F356-ACEF-8D94-9212C64929A9}"/>
-              </a:ext>
-            </a:extLst>
-          </p:cNvPr>
-          <p:cNvPicPr>
-            <a:picLocks noChangeAspect="1"/>
-          </p:cNvPicPr>
-          <p:nvPr/>
-        </p:nvPicPr>
-        <p:blipFill>
-          <a:blip r:embed="rId3"/>
-          <a:stretch>
-            <a:fillRect/>
-          </a:stretch>
-        </p:blipFill>
-        <p:spPr>
-          <a:xfrm>
-            <a:off x="5431855" y="4016594"/>
-            <a:ext cx="6442274" cy="2471389"/>
-          </a:xfrm>
-          <a:prstGeom prst="rect">
-            <a:avLst/>
-          </a:prstGeom>
-        </p:spPr>
-      </p:pic>
-      <p:pic>
-        <p:nvPicPr>
-          <p:cNvPr id="17" name="그림 16">
-            <a:extLst>
-              <a:ext uri="{FF2B5EF4-FFF2-40B4-BE49-F238E27FC236}">
-                <a16:creationId xmlns:a16="http://schemas.microsoft.com/office/drawing/2014/main" id="{CAD7FB87-0969-7666-2D82-6577BF6D98EF}"/>
-              </a:ext>
-            </a:extLst>
-          </p:cNvPr>
-          <p:cNvPicPr>
-            <a:picLocks noChangeAspect="1"/>
-          </p:cNvPicPr>
-          <p:nvPr/>
-        </p:nvPicPr>
-        <p:blipFill>
-          <a:blip r:embed="rId4"/>
-          <a:stretch>
-            <a:fillRect/>
-          </a:stretch>
-        </p:blipFill>
-        <p:spPr>
-          <a:xfrm>
-            <a:off x="1127110" y="3758573"/>
-            <a:ext cx="1682037" cy="2227017"/>
-          </a:xfrm>
-          <a:prstGeom prst="rect">
-            <a:avLst/>
-          </a:prstGeom>
-        </p:spPr>
-      </p:pic>
-      <p:sp>
-        <p:nvSpPr>
-          <p:cNvPr id="2" name="슬라이드 번호 개체 틀 1">
-            <a:extLst>
-              <a:ext uri="{FF2B5EF4-FFF2-40B4-BE49-F238E27FC236}">
-                <a16:creationId xmlns:a16="http://schemas.microsoft.com/office/drawing/2014/main" id="{E9EB2802-FE61-06F0-01FE-31BE696212A3}"/>
-              </a:ext>
-            </a:extLst>
-          </p:cNvPr>
-          <p:cNvSpPr>
-            <a:spLocks noGrp="1"/>
-          </p:cNvSpPr>
-          <p:nvPr>
-            <p:ph type="sldNum" sz="quarter" idx="12"/>
-          </p:nvPr>
-        </p:nvSpPr>
-        <p:spPr/>
-        <p:txBody>
-          <a:bodyPr/>
-          <a:lstStyle/>
-          <a:p>
-            <a:fld id="{1AE2E34B-DD3C-4456-A087-75C0074477A7}" type="slidenum">
-              <a:rPr lang="ko-KR" altLang="en-US" smtClean="0"/>
-              <a:t>9</a:t>
-            </a:fld>
-            <a:endParaRPr lang="ko-KR" altLang="en-US"/>
-          </a:p>
-        </p:txBody>
-      </p:sp>
-    </p:spTree>
-    <p:extLst>
-      <p:ext uri="{BB962C8B-B14F-4D97-AF65-F5344CB8AC3E}">
-        <p14:creationId xmlns:p14="http://schemas.microsoft.com/office/powerpoint/2010/main" val="79749680"/>
       </p:ext>
     </p:extLst>
   </p:cSld>
